--- a/split.pptx
+++ b/split.pptx
@@ -6260,7 +6260,7 @@
         </p:blipFill>
         <p:spPr>
           <a:xfrm>
-            <a:off x="2938612" y="647201"/>
+            <a:off x="4538812" y="647201"/>
             <a:ext cx="3060776" cy="5563597"/>
           </a:xfrm>
           <a:prstGeom prst="rect">
@@ -6289,7 +6289,7 @@
         </p:blipFill>
         <p:spPr>
           <a:xfrm>
-            <a:off x="6094216" y="627613"/>
+            <a:off x="7758424" y="627613"/>
             <a:ext cx="3060776" cy="5563597"/>
           </a:xfrm>
           <a:prstGeom prst="rect">
@@ -6318,7 +6318,7 @@
         </p:blipFill>
         <p:spPr>
           <a:xfrm>
-            <a:off x="-20609" y="640079"/>
+            <a:off x="1396711" y="640079"/>
             <a:ext cx="3060776" cy="5563597"/>
           </a:xfrm>
           <a:prstGeom prst="rect">
@@ -6328,7 +6328,7 @@
       </p:pic>
       <p:pic>
         <p:nvPicPr>
-          <p:cNvPr id="7" name="Picture 6"/>
+          <p:cNvPr id="15" name="Picture 14"/>
           <p:cNvPicPr>
             <a:picLocks noChangeAspect="1"/>
           </p:cNvPicPr>
@@ -6348,8 +6348,8 @@
         </p:blipFill>
         <p:spPr>
           <a:xfrm>
-            <a:off x="380288" y="1350712"/>
-            <a:ext cx="2372056" cy="4117400"/>
+            <a:off x="8152311" y="1350712"/>
+            <a:ext cx="2369922" cy="4117400"/>
           </a:xfrm>
           <a:prstGeom prst="rect">
             <a:avLst/>
@@ -6358,7 +6358,7 @@
       </p:pic>
       <p:pic>
         <p:nvPicPr>
-          <p:cNvPr id="11" name="Picture 10"/>
+          <p:cNvPr id="20" name="Picture 19"/>
           <p:cNvPicPr>
             <a:picLocks noChangeAspect="1"/>
           </p:cNvPicPr>
@@ -6378,8 +6378,8 @@
         </p:blipFill>
         <p:spPr>
           <a:xfrm>
-            <a:off x="3340659" y="1350712"/>
-            <a:ext cx="2361762" cy="4117400"/>
+            <a:off x="1810512" y="1350712"/>
+            <a:ext cx="2340864" cy="4111680"/>
           </a:xfrm>
           <a:prstGeom prst="rect">
             <a:avLst/>
@@ -6388,7 +6388,7 @@
       </p:pic>
       <p:pic>
         <p:nvPicPr>
-          <p:cNvPr id="15" name="Picture 14"/>
+          <p:cNvPr id="21" name="Picture 20"/>
           <p:cNvPicPr>
             <a:picLocks noChangeAspect="1"/>
           </p:cNvPicPr>
@@ -6408,37 +6408,8 @@
         </p:blipFill>
         <p:spPr>
           <a:xfrm>
-            <a:off x="6488103" y="1350712"/>
-            <a:ext cx="2369922" cy="4117400"/>
-          </a:xfrm>
-          <a:prstGeom prst="rect">
-            <a:avLst/>
-          </a:prstGeom>
-        </p:spPr>
-      </p:pic>
-      <p:pic>
-        <p:nvPicPr>
-          <p:cNvPr id="19" name="Picture 18"/>
-          <p:cNvPicPr>
-            <a:picLocks noChangeAspect="1"/>
-          </p:cNvPicPr>
-          <p:nvPr/>
-        </p:nvPicPr>
-        <p:blipFill rotWithShape="1">
-          <a:blip r:embed="rId2">
-            <a:extLst>
-              <a:ext uri="{28A0092B-C50C-407E-A947-70E740481C1C}">
-                <a14:useLocalDpi xmlns:a14="http://schemas.microsoft.com/office/drawing/2010/main" val="0"/>
-              </a:ext>
-            </a:extLst>
-          </a:blip>
-          <a:srcRect l="8836" t="3201" r="51415" b="3733"/>
-          <a:stretch/>
-        </p:blipFill>
-        <p:spPr>
-          <a:xfrm>
-            <a:off x="9025468" y="647201"/>
-            <a:ext cx="3060776" cy="5563597"/>
+            <a:off x="4930520" y="1350712"/>
+            <a:ext cx="2357248" cy="4111680"/>
           </a:xfrm>
           <a:prstGeom prst="rect">
             <a:avLst/>
@@ -6527,7 +6498,7 @@
                                           </p:stCondLst>
                                         </p:cTn>
                                         <p:tgtEl>
-                                          <p:spTgt spid="7"/>
+                                          <p:spTgt spid="20"/>
                                         </p:tgtEl>
                                         <p:attrNameLst>
                                           <p:attrName>style.visibility</p:attrName>
@@ -6541,7 +6512,7 @@
                                       <p:cBhvr>
                                         <p:cTn id="10" dur="500"/>
                                         <p:tgtEl>
-                                          <p:spTgt spid="7"/>
+                                          <p:spTgt spid="20"/>
                                         </p:tgtEl>
                                       </p:cBhvr>
                                     </p:animEffect>
@@ -6606,7 +6577,7 @@
                                           </p:stCondLst>
                                         </p:cTn>
                                         <p:tgtEl>
-                                          <p:spTgt spid="11"/>
+                                          <p:spTgt spid="21"/>
                                         </p:tgtEl>
                                         <p:attrNameLst>
                                           <p:attrName>style.visibility</p:attrName>
@@ -6620,7 +6591,7 @@
                                       <p:cBhvr>
                                         <p:cTn id="17" dur="500"/>
                                         <p:tgtEl>
-                                          <p:spTgt spid="11"/>
+                                          <p:spTgt spid="21"/>
                                         </p:tgtEl>
                                       </p:cBhvr>
                                     </p:animEffect>
@@ -6700,50 +6671,6 @@
                                         <p:cTn id="24" dur="500"/>
                                         <p:tgtEl>
                                           <p:spTgt spid="15"/>
-                                        </p:tgtEl>
-                                      </p:cBhvr>
-                                    </p:animEffect>
-                                  </p:childTnLst>
-                                </p:cTn>
-                              </p:par>
-                            </p:childTnLst>
-                          </p:cTn>
-                        </p:par>
-                        <p:par>
-                          <p:cTn id="25" fill="hold">
-                            <p:stCondLst>
-                              <p:cond delay="1500"/>
-                            </p:stCondLst>
-                            <p:childTnLst>
-                              <p:par>
-                                <p:cTn id="26" presetID="10" presetClass="entr" presetSubtype="0" fill="hold" nodeType="afterEffect">
-                                  <p:stCondLst>
-                                    <p:cond delay="0"/>
-                                  </p:stCondLst>
-                                  <p:childTnLst>
-                                    <p:set>
-                                      <p:cBhvr>
-                                        <p:cTn id="27" dur="1" fill="hold">
-                                          <p:stCondLst>
-                                            <p:cond delay="0"/>
-                                          </p:stCondLst>
-                                        </p:cTn>
-                                        <p:tgtEl>
-                                          <p:spTgt spid="19"/>
-                                        </p:tgtEl>
-                                        <p:attrNameLst>
-                                          <p:attrName>style.visibility</p:attrName>
-                                        </p:attrNameLst>
-                                      </p:cBhvr>
-                                      <p:to>
-                                        <p:strVal val="visible"/>
-                                      </p:to>
-                                    </p:set>
-                                    <p:animEffect transition="in" filter="fade">
-                                      <p:cBhvr>
-                                        <p:cTn id="28" dur="500"/>
-                                        <p:tgtEl>
-                                          <p:spTgt spid="19"/>
                                         </p:tgtEl>
                                       </p:cBhvr>
                                     </p:animEffect>
@@ -7289,40 +7216,13 @@
           <a:p>
             <a:pPr algn="ctr"/>
             <a:r>
-              <a:rPr lang="en-US" sz="3600" b="1" dirty="0">
-                <a:solidFill>
-                  <a:schemeClr val="bg1"/>
-                </a:solidFill>
-                <a:latin typeface="ubuntu" panose="020B0504030602030204" pitchFamily="34" charset="0"/>
-              </a:rPr>
-              <a:t>F</a:t>
-            </a:r>
-            <a:r>
               <a:rPr lang="en-US" sz="3600" b="1" dirty="0" smtClean="0">
                 <a:solidFill>
                   <a:schemeClr val="bg1"/>
                 </a:solidFill>
                 <a:latin typeface="ubuntu" panose="020B0504030602030204" pitchFamily="34" charset="0"/>
               </a:rPr>
-              <a:t>uture </a:t>
-            </a:r>
-            <a:r>
-              <a:rPr lang="en-US" sz="3600" b="1" dirty="0">
-                <a:solidFill>
-                  <a:schemeClr val="bg1"/>
-                </a:solidFill>
-                <a:latin typeface="ubuntu" panose="020B0504030602030204" pitchFamily="34" charset="0"/>
-              </a:rPr>
-              <a:t>I</a:t>
-            </a:r>
-            <a:r>
-              <a:rPr lang="en-US" sz="3600" b="1" dirty="0" smtClean="0">
-                <a:solidFill>
-                  <a:schemeClr val="bg1"/>
-                </a:solidFill>
-                <a:latin typeface="ubuntu" panose="020B0504030602030204" pitchFamily="34" charset="0"/>
-              </a:rPr>
-              <a:t>mplications</a:t>
+              <a:t>Less is More</a:t>
             </a:r>
           </a:p>
         </p:txBody>
@@ -7365,7 +7265,7 @@
         </p:nvSpPr>
         <p:spPr>
           <a:xfrm>
-            <a:off x="3935824" y="3236088"/>
+            <a:off x="3816952" y="3226944"/>
             <a:ext cx="635000" cy="584200"/>
           </a:xfrm>
           <a:prstGeom prst="mathPlus">
@@ -7505,7 +7405,7 @@
         </p:blipFill>
         <p:spPr>
           <a:xfrm>
-            <a:off x="2311978" y="2775009"/>
+            <a:off x="2165674" y="2775009"/>
             <a:ext cx="1506358" cy="1506358"/>
           </a:xfrm>
           <a:prstGeom prst="rect">

--- a/split.pptx
+++ b/split.pptx
@@ -5,8 +5,8 @@
     <p:sldMasterId id="2147483648" r:id="rId1"/>
   </p:sldMasterIdLst>
   <p:sldIdLst>
-    <p:sldId id="256" r:id="rId2"/>
-    <p:sldId id="257" r:id="rId3"/>
+    <p:sldId id="257" r:id="rId2"/>
+    <p:sldId id="256" r:id="rId3"/>
     <p:sldId id="258" r:id="rId4"/>
     <p:sldId id="261" r:id="rId5"/>
     <p:sldId id="262" r:id="rId6"/>
@@ -3002,868 +3002,6 @@
           <a:chExt cx="0" cy="0"/>
         </a:xfrm>
       </p:grpSpPr>
-      <p:sp>
-        <p:nvSpPr>
-          <p:cNvPr id="2" name="Title 1"/>
-          <p:cNvSpPr>
-            <a:spLocks noGrp="1"/>
-          </p:cNvSpPr>
-          <p:nvPr>
-            <p:ph type="ctrTitle"/>
-          </p:nvPr>
-        </p:nvSpPr>
-        <p:spPr>
-          <a:xfrm>
-            <a:off x="5788793" y="2228671"/>
-            <a:ext cx="1615440" cy="1205193"/>
-          </a:xfrm>
-        </p:spPr>
-        <p:txBody>
-          <a:bodyPr>
-            <a:normAutofit/>
-          </a:bodyPr>
-          <a:lstStyle/>
-          <a:p>
-            <a:r>
-              <a:rPr lang="en-US" sz="7200" b="1" dirty="0" smtClean="0">
-                <a:solidFill>
-                  <a:schemeClr val="bg1"/>
-                </a:solidFill>
-                <a:latin typeface="ubuntu" panose="020B0504030602030204" pitchFamily="34" charset="0"/>
-              </a:rPr>
-              <a:t>lit</a:t>
-            </a:r>
-            <a:endParaRPr lang="en-US" sz="7200" b="1" dirty="0">
-              <a:solidFill>
-                <a:schemeClr val="bg1"/>
-              </a:solidFill>
-              <a:latin typeface="ubuntu" panose="020B0504030602030204" pitchFamily="34" charset="0"/>
-            </a:endParaRPr>
-          </a:p>
-        </p:txBody>
-      </p:sp>
-      <p:sp>
-        <p:nvSpPr>
-          <p:cNvPr id="12" name="Rectangle 11"/>
-          <p:cNvSpPr/>
-          <p:nvPr/>
-        </p:nvSpPr>
-        <p:spPr>
-          <a:xfrm>
-            <a:off x="4824194" y="2233535"/>
-            <a:ext cx="1485166" cy="1200329"/>
-          </a:xfrm>
-          <a:prstGeom prst="rect">
-            <a:avLst/>
-          </a:prstGeom>
-        </p:spPr>
-        <p:txBody>
-          <a:bodyPr wrap="square">
-            <a:spAutoFit/>
-          </a:bodyPr>
-          <a:lstStyle/>
-          <a:p>
-            <a:pPr algn="ctr"/>
-            <a:r>
-              <a:rPr lang="en-US" sz="7200" b="1" dirty="0" err="1">
-                <a:solidFill>
-                  <a:schemeClr val="bg1"/>
-                </a:solidFill>
-                <a:latin typeface="ubuntu" panose="020B0504030602030204" pitchFamily="34" charset="0"/>
-              </a:rPr>
-              <a:t>Sp</a:t>
-            </a:r>
-            <a:endParaRPr lang="en-US" sz="7200" dirty="0"/>
-          </a:p>
-        </p:txBody>
-      </p:sp>
-      <p:pic>
-        <p:nvPicPr>
-          <p:cNvPr id="15" name="Picture 14"/>
-          <p:cNvPicPr>
-            <a:picLocks noChangeAspect="1"/>
-          </p:cNvPicPr>
-          <p:nvPr/>
-        </p:nvPicPr>
-        <p:blipFill>
-          <a:blip r:embed="rId2">
-            <a:extLst>
-              <a:ext uri="{28A0092B-C50C-407E-A947-70E740481C1C}">
-                <a14:useLocalDpi xmlns:a14="http://schemas.microsoft.com/office/drawing/2010/main" val="0"/>
-              </a:ext>
-            </a:extLst>
-          </a:blip>
-          <a:stretch>
-            <a:fillRect/>
-          </a:stretch>
-        </p:blipFill>
-        <p:spPr>
-          <a:xfrm rot="343244">
-            <a:off x="5844888" y="2370010"/>
-            <a:ext cx="527150" cy="922513"/>
-          </a:xfrm>
-          <a:prstGeom prst="rect">
-            <a:avLst/>
-          </a:prstGeom>
-        </p:spPr>
-      </p:pic>
-      <p:sp>
-        <p:nvSpPr>
-          <p:cNvPr id="16" name="Subtitle 15"/>
-          <p:cNvSpPr>
-            <a:spLocks noGrp="1"/>
-          </p:cNvSpPr>
-          <p:nvPr>
-            <p:ph type="subTitle" idx="1"/>
-          </p:nvPr>
-        </p:nvSpPr>
-        <p:spPr/>
-        <p:txBody>
-          <a:bodyPr>
-            <a:normAutofit/>
-          </a:bodyPr>
-          <a:lstStyle/>
-          <a:p>
-            <a:r>
-              <a:rPr lang="en-US" sz="3600" dirty="0" smtClean="0">
-                <a:solidFill>
-                  <a:schemeClr val="bg1"/>
-                </a:solidFill>
-                <a:latin typeface="ubuntu" panose="020B0504030602030204" pitchFamily="34" charset="0"/>
-              </a:rPr>
-              <a:t>it’s lit.</a:t>
-            </a:r>
-            <a:endParaRPr lang="en-US" sz="3600" dirty="0">
-              <a:solidFill>
-                <a:schemeClr val="bg1"/>
-              </a:solidFill>
-              <a:latin typeface="ubuntu" panose="020B0504030602030204" pitchFamily="34" charset="0"/>
-            </a:endParaRPr>
-          </a:p>
-        </p:txBody>
-      </p:sp>
-    </p:spTree>
-    <p:extLst>
-      <p:ext uri="{BB962C8B-B14F-4D97-AF65-F5344CB8AC3E}">
-        <p14:creationId xmlns:p14="http://schemas.microsoft.com/office/powerpoint/2010/main" val="2241921226"/>
-      </p:ext>
-    </p:extLst>
-  </p:cSld>
-  <p:clrMapOvr>
-    <a:masterClrMapping/>
-  </p:clrMapOvr>
-  <p:timing>
-    <p:tnLst>
-      <p:par>
-        <p:cTn id="1" dur="indefinite" restart="never" nodeType="tmRoot">
-          <p:childTnLst>
-            <p:seq concurrent="1" nextAc="seek">
-              <p:cTn id="2" dur="indefinite" nodeType="mainSeq">
-                <p:childTnLst>
-                  <p:par>
-                    <p:cTn id="3" fill="hold">
-                      <p:stCondLst>
-                        <p:cond delay="indefinite"/>
-                        <p:cond evt="onBegin" delay="0">
-                          <p:tn val="2"/>
-                        </p:cond>
-                      </p:stCondLst>
-                      <p:childTnLst>
-                        <p:par>
-                          <p:cTn id="4" fill="hold">
-                            <p:stCondLst>
-                              <p:cond delay="0"/>
-                            </p:stCondLst>
-                            <p:childTnLst>
-                              <p:par>
-                                <p:cTn id="5" presetID="42" presetClass="entr" presetSubtype="0" fill="hold" grpId="0" nodeType="withEffect">
-                                  <p:stCondLst>
-                                    <p:cond delay="0"/>
-                                  </p:stCondLst>
-                                  <p:childTnLst>
-                                    <p:set>
-                                      <p:cBhvr>
-                                        <p:cTn id="6" dur="1" fill="hold">
-                                          <p:stCondLst>
-                                            <p:cond delay="0"/>
-                                          </p:stCondLst>
-                                        </p:cTn>
-                                        <p:tgtEl>
-                                          <p:spTgt spid="12"/>
-                                        </p:tgtEl>
-                                        <p:attrNameLst>
-                                          <p:attrName>style.visibility</p:attrName>
-                                        </p:attrNameLst>
-                                      </p:cBhvr>
-                                      <p:to>
-                                        <p:strVal val="visible"/>
-                                      </p:to>
-                                    </p:set>
-                                    <p:animEffect transition="in" filter="fade">
-                                      <p:cBhvr>
-                                        <p:cTn id="7" dur="1000"/>
-                                        <p:tgtEl>
-                                          <p:spTgt spid="12"/>
-                                        </p:tgtEl>
-                                      </p:cBhvr>
-                                    </p:animEffect>
-                                    <p:anim calcmode="lin" valueType="num">
-                                      <p:cBhvr>
-                                        <p:cTn id="8" dur="1000" fill="hold"/>
-                                        <p:tgtEl>
-                                          <p:spTgt spid="12"/>
-                                        </p:tgtEl>
-                                        <p:attrNameLst>
-                                          <p:attrName>ppt_x</p:attrName>
-                                        </p:attrNameLst>
-                                      </p:cBhvr>
-                                      <p:tavLst>
-                                        <p:tav tm="0">
-                                          <p:val>
-                                            <p:strVal val="#ppt_x"/>
-                                          </p:val>
-                                        </p:tav>
-                                        <p:tav tm="100000">
-                                          <p:val>
-                                            <p:strVal val="#ppt_x"/>
-                                          </p:val>
-                                        </p:tav>
-                                      </p:tavLst>
-                                    </p:anim>
-                                    <p:anim calcmode="lin" valueType="num">
-                                      <p:cBhvr>
-                                        <p:cTn id="9" dur="1000" fill="hold"/>
-                                        <p:tgtEl>
-                                          <p:spTgt spid="12"/>
-                                        </p:tgtEl>
-                                        <p:attrNameLst>
-                                          <p:attrName>ppt_y</p:attrName>
-                                        </p:attrNameLst>
-                                      </p:cBhvr>
-                                      <p:tavLst>
-                                        <p:tav tm="0">
-                                          <p:val>
-                                            <p:strVal val="#ppt_y+.1"/>
-                                          </p:val>
-                                        </p:tav>
-                                        <p:tav tm="100000">
-                                          <p:val>
-                                            <p:strVal val="#ppt_y"/>
-                                          </p:val>
-                                        </p:tav>
-                                      </p:tavLst>
-                                    </p:anim>
-                                  </p:childTnLst>
-                                </p:cTn>
-                              </p:par>
-                              <p:par>
-                                <p:cTn id="10" presetID="42" presetClass="entr" presetSubtype="0" fill="hold" grpId="0" nodeType="withEffect">
-                                  <p:stCondLst>
-                                    <p:cond delay="0"/>
-                                  </p:stCondLst>
-                                  <p:childTnLst>
-                                    <p:set>
-                                      <p:cBhvr>
-                                        <p:cTn id="11" dur="1" fill="hold">
-                                          <p:stCondLst>
-                                            <p:cond delay="0"/>
-                                          </p:stCondLst>
-                                        </p:cTn>
-                                        <p:tgtEl>
-                                          <p:spTgt spid="2"/>
-                                        </p:tgtEl>
-                                        <p:attrNameLst>
-                                          <p:attrName>style.visibility</p:attrName>
-                                        </p:attrNameLst>
-                                      </p:cBhvr>
-                                      <p:to>
-                                        <p:strVal val="visible"/>
-                                      </p:to>
-                                    </p:set>
-                                    <p:animEffect transition="in" filter="fade">
-                                      <p:cBhvr>
-                                        <p:cTn id="12" dur="1000"/>
-                                        <p:tgtEl>
-                                          <p:spTgt spid="2"/>
-                                        </p:tgtEl>
-                                      </p:cBhvr>
-                                    </p:animEffect>
-                                    <p:anim calcmode="lin" valueType="num">
-                                      <p:cBhvr>
-                                        <p:cTn id="13" dur="1000" fill="hold"/>
-                                        <p:tgtEl>
-                                          <p:spTgt spid="2"/>
-                                        </p:tgtEl>
-                                        <p:attrNameLst>
-                                          <p:attrName>ppt_x</p:attrName>
-                                        </p:attrNameLst>
-                                      </p:cBhvr>
-                                      <p:tavLst>
-                                        <p:tav tm="0">
-                                          <p:val>
-                                            <p:strVal val="#ppt_x"/>
-                                          </p:val>
-                                        </p:tav>
-                                        <p:tav tm="100000">
-                                          <p:val>
-                                            <p:strVal val="#ppt_x"/>
-                                          </p:val>
-                                        </p:tav>
-                                      </p:tavLst>
-                                    </p:anim>
-                                    <p:anim calcmode="lin" valueType="num">
-                                      <p:cBhvr>
-                                        <p:cTn id="14" dur="1000" fill="hold"/>
-                                        <p:tgtEl>
-                                          <p:spTgt spid="2"/>
-                                        </p:tgtEl>
-                                        <p:attrNameLst>
-                                          <p:attrName>ppt_y</p:attrName>
-                                        </p:attrNameLst>
-                                      </p:cBhvr>
-                                      <p:tavLst>
-                                        <p:tav tm="0">
-                                          <p:val>
-                                            <p:strVal val="#ppt_y+.1"/>
-                                          </p:val>
-                                        </p:tav>
-                                        <p:tav tm="100000">
-                                          <p:val>
-                                            <p:strVal val="#ppt_y"/>
-                                          </p:val>
-                                        </p:tav>
-                                      </p:tavLst>
-                                    </p:anim>
-                                  </p:childTnLst>
-                                </p:cTn>
-                              </p:par>
-                            </p:childTnLst>
-                          </p:cTn>
-                        </p:par>
-                        <p:par>
-                          <p:cTn id="15" fill="hold">
-                            <p:stCondLst>
-                              <p:cond delay="1000"/>
-                            </p:stCondLst>
-                            <p:childTnLst>
-                              <p:par>
-                                <p:cTn id="16" presetID="35" presetClass="path" presetSubtype="0" accel="50000" decel="50000" fill="hold" grpId="1" nodeType="afterEffect">
-                                  <p:stCondLst>
-                                    <p:cond delay="0"/>
-                                  </p:stCondLst>
-                                  <p:childTnLst>
-                                    <p:animMotion origin="layout" path="M -4.16667E-7 -4.44444E-6 L -0.02838 -0.00069 " pathEditMode="relative" rAng="0" ptsTypes="AA">
-                                      <p:cBhvr>
-                                        <p:cTn id="17" dur="500" fill="hold"/>
-                                        <p:tgtEl>
-                                          <p:spTgt spid="12"/>
-                                        </p:tgtEl>
-                                        <p:attrNameLst>
-                                          <p:attrName>ppt_x</p:attrName>
-                                          <p:attrName>ppt_y</p:attrName>
-                                        </p:attrNameLst>
-                                      </p:cBhvr>
-                                      <p:rCtr x="-1419" y="-46"/>
-                                    </p:animMotion>
-                                  </p:childTnLst>
-                                </p:cTn>
-                              </p:par>
-                              <p:par>
-                                <p:cTn id="18" presetID="63" presetClass="path" presetSubtype="0" accel="50000" decel="50000" fill="hold" grpId="1" nodeType="withEffect">
-                                  <p:stCondLst>
-                                    <p:cond delay="0"/>
-                                  </p:stCondLst>
-                                  <p:childTnLst>
-                                    <p:animMotion origin="layout" path="M 4.375E-6 -1.48148E-6 L 0.02226 0.00116 " pathEditMode="relative" rAng="0" ptsTypes="AA">
-                                      <p:cBhvr>
-                                        <p:cTn id="19" dur="500" fill="hold"/>
-                                        <p:tgtEl>
-                                          <p:spTgt spid="2"/>
-                                        </p:tgtEl>
-                                        <p:attrNameLst>
-                                          <p:attrName>ppt_x</p:attrName>
-                                          <p:attrName>ppt_y</p:attrName>
-                                        </p:attrNameLst>
-                                      </p:cBhvr>
-                                      <p:rCtr x="1107" y="46"/>
-                                    </p:animMotion>
-                                  </p:childTnLst>
-                                </p:cTn>
-                              </p:par>
-                              <p:par>
-                                <p:cTn id="20" presetID="22" presetClass="entr" presetSubtype="1" fill="hold" nodeType="withEffect">
-                                  <p:stCondLst>
-                                    <p:cond delay="0"/>
-                                  </p:stCondLst>
-                                  <p:childTnLst>
-                                    <p:set>
-                                      <p:cBhvr>
-                                        <p:cTn id="21" dur="1" fill="hold">
-                                          <p:stCondLst>
-                                            <p:cond delay="0"/>
-                                          </p:stCondLst>
-                                        </p:cTn>
-                                        <p:tgtEl>
-                                          <p:spTgt spid="15"/>
-                                        </p:tgtEl>
-                                        <p:attrNameLst>
-                                          <p:attrName>style.visibility</p:attrName>
-                                        </p:attrNameLst>
-                                      </p:cBhvr>
-                                      <p:to>
-                                        <p:strVal val="visible"/>
-                                      </p:to>
-                                    </p:set>
-                                    <p:animEffect transition="in" filter="wipe(up)">
-                                      <p:cBhvr>
-                                        <p:cTn id="22" dur="500"/>
-                                        <p:tgtEl>
-                                          <p:spTgt spid="15"/>
-                                        </p:tgtEl>
-                                      </p:cBhvr>
-                                    </p:animEffect>
-                                  </p:childTnLst>
-                                </p:cTn>
-                              </p:par>
-                              <p:par>
-                                <p:cTn id="23" presetID="10" presetClass="entr" presetSubtype="0" fill="hold" grpId="0" nodeType="withEffect">
-                                  <p:stCondLst>
-                                    <p:cond delay="0"/>
-                                  </p:stCondLst>
-                                  <p:childTnLst>
-                                    <p:set>
-                                      <p:cBhvr>
-                                        <p:cTn id="24" dur="1" fill="hold">
-                                          <p:stCondLst>
-                                            <p:cond delay="0"/>
-                                          </p:stCondLst>
-                                        </p:cTn>
-                                        <p:tgtEl>
-                                          <p:spTgt spid="16">
-                                            <p:txEl>
-                                              <p:pRg st="0" end="0"/>
-                                            </p:txEl>
-                                          </p:spTgt>
-                                        </p:tgtEl>
-                                        <p:attrNameLst>
-                                          <p:attrName>style.visibility</p:attrName>
-                                        </p:attrNameLst>
-                                      </p:cBhvr>
-                                      <p:to>
-                                        <p:strVal val="visible"/>
-                                      </p:to>
-                                    </p:set>
-                                    <p:animEffect transition="in" filter="fade">
-                                      <p:cBhvr>
-                                        <p:cTn id="25" dur="500"/>
-                                        <p:tgtEl>
-                                          <p:spTgt spid="16">
-                                            <p:txEl>
-                                              <p:pRg st="0" end="0"/>
-                                            </p:txEl>
-                                          </p:spTgt>
-                                        </p:tgtEl>
-                                      </p:cBhvr>
-                                    </p:animEffect>
-                                  </p:childTnLst>
-                                </p:cTn>
-                              </p:par>
-                            </p:childTnLst>
-                          </p:cTn>
-                        </p:par>
-                      </p:childTnLst>
-                    </p:cTn>
-                  </p:par>
-                  <p:par>
-                    <p:cTn id="26" fill="hold">
-                      <p:stCondLst>
-                        <p:cond delay="indefinite"/>
-                      </p:stCondLst>
-                      <p:childTnLst>
-                        <p:par>
-                          <p:cTn id="27" fill="hold">
-                            <p:stCondLst>
-                              <p:cond delay="0"/>
-                            </p:stCondLst>
-                            <p:childTnLst>
-                              <p:par>
-                                <p:cTn id="28" presetID="2" presetClass="exit" presetSubtype="8" fill="hold" grpId="2" nodeType="clickEffect">
-                                  <p:stCondLst>
-                                    <p:cond delay="0"/>
-                                  </p:stCondLst>
-                                  <p:childTnLst>
-                                    <p:anim calcmode="lin" valueType="num">
-                                      <p:cBhvr additive="base">
-                                        <p:cTn id="29" dur="500"/>
-                                        <p:tgtEl>
-                                          <p:spTgt spid="12"/>
-                                        </p:tgtEl>
-                                        <p:attrNameLst>
-                                          <p:attrName>ppt_x</p:attrName>
-                                        </p:attrNameLst>
-                                      </p:cBhvr>
-                                      <p:tavLst>
-                                        <p:tav tm="0">
-                                          <p:val>
-                                            <p:strVal val="ppt_x"/>
-                                          </p:val>
-                                        </p:tav>
-                                        <p:tav tm="100000">
-                                          <p:val>
-                                            <p:strVal val="0-ppt_w/2"/>
-                                          </p:val>
-                                        </p:tav>
-                                      </p:tavLst>
-                                    </p:anim>
-                                    <p:anim calcmode="lin" valueType="num">
-                                      <p:cBhvr additive="base">
-                                        <p:cTn id="30" dur="500"/>
-                                        <p:tgtEl>
-                                          <p:spTgt spid="12"/>
-                                        </p:tgtEl>
-                                        <p:attrNameLst>
-                                          <p:attrName>ppt_y</p:attrName>
-                                        </p:attrNameLst>
-                                      </p:cBhvr>
-                                      <p:tavLst>
-                                        <p:tav tm="0">
-                                          <p:val>
-                                            <p:strVal val="ppt_y"/>
-                                          </p:val>
-                                        </p:tav>
-                                        <p:tav tm="100000">
-                                          <p:val>
-                                            <p:strVal val="ppt_y"/>
-                                          </p:val>
-                                        </p:tav>
-                                      </p:tavLst>
-                                    </p:anim>
-                                    <p:set>
-                                      <p:cBhvr>
-                                        <p:cTn id="31" dur="1" fill="hold">
-                                          <p:stCondLst>
-                                            <p:cond delay="499"/>
-                                          </p:stCondLst>
-                                        </p:cTn>
-                                        <p:tgtEl>
-                                          <p:spTgt spid="12"/>
-                                        </p:tgtEl>
-                                        <p:attrNameLst>
-                                          <p:attrName>style.visibility</p:attrName>
-                                        </p:attrNameLst>
-                                      </p:cBhvr>
-                                      <p:to>
-                                        <p:strVal val="hidden"/>
-                                      </p:to>
-                                    </p:set>
-                                  </p:childTnLst>
-                                </p:cTn>
-                              </p:par>
-                              <p:par>
-                                <p:cTn id="32" presetID="2" presetClass="exit" presetSubtype="8" fill="hold" grpId="2" nodeType="withEffect">
-                                  <p:stCondLst>
-                                    <p:cond delay="0"/>
-                                  </p:stCondLst>
-                                  <p:childTnLst>
-                                    <p:anim calcmode="lin" valueType="num">
-                                      <p:cBhvr additive="base">
-                                        <p:cTn id="33" dur="500"/>
-                                        <p:tgtEl>
-                                          <p:spTgt spid="2"/>
-                                        </p:tgtEl>
-                                        <p:attrNameLst>
-                                          <p:attrName>ppt_x</p:attrName>
-                                        </p:attrNameLst>
-                                      </p:cBhvr>
-                                      <p:tavLst>
-                                        <p:tav tm="0">
-                                          <p:val>
-                                            <p:strVal val="ppt_x"/>
-                                          </p:val>
-                                        </p:tav>
-                                        <p:tav tm="100000">
-                                          <p:val>
-                                            <p:strVal val="0-ppt_w/2"/>
-                                          </p:val>
-                                        </p:tav>
-                                      </p:tavLst>
-                                    </p:anim>
-                                    <p:anim calcmode="lin" valueType="num">
-                                      <p:cBhvr additive="base">
-                                        <p:cTn id="34" dur="500"/>
-                                        <p:tgtEl>
-                                          <p:spTgt spid="2"/>
-                                        </p:tgtEl>
-                                        <p:attrNameLst>
-                                          <p:attrName>ppt_y</p:attrName>
-                                        </p:attrNameLst>
-                                      </p:cBhvr>
-                                      <p:tavLst>
-                                        <p:tav tm="0">
-                                          <p:val>
-                                            <p:strVal val="ppt_y"/>
-                                          </p:val>
-                                        </p:tav>
-                                        <p:tav tm="100000">
-                                          <p:val>
-                                            <p:strVal val="ppt_y"/>
-                                          </p:val>
-                                        </p:tav>
-                                      </p:tavLst>
-                                    </p:anim>
-                                    <p:set>
-                                      <p:cBhvr>
-                                        <p:cTn id="35" dur="1" fill="hold">
-                                          <p:stCondLst>
-                                            <p:cond delay="499"/>
-                                          </p:stCondLst>
-                                        </p:cTn>
-                                        <p:tgtEl>
-                                          <p:spTgt spid="2"/>
-                                        </p:tgtEl>
-                                        <p:attrNameLst>
-                                          <p:attrName>style.visibility</p:attrName>
-                                        </p:attrNameLst>
-                                      </p:cBhvr>
-                                      <p:to>
-                                        <p:strVal val="hidden"/>
-                                      </p:to>
-                                    </p:set>
-                                  </p:childTnLst>
-                                </p:cTn>
-                              </p:par>
-                              <p:par>
-                                <p:cTn id="36" presetID="2" presetClass="exit" presetSubtype="8" fill="hold" nodeType="withEffect">
-                                  <p:stCondLst>
-                                    <p:cond delay="0"/>
-                                  </p:stCondLst>
-                                  <p:childTnLst>
-                                    <p:anim calcmode="lin" valueType="num">
-                                      <p:cBhvr additive="base">
-                                        <p:cTn id="37" dur="500"/>
-                                        <p:tgtEl>
-                                          <p:spTgt spid="15"/>
-                                        </p:tgtEl>
-                                        <p:attrNameLst>
-                                          <p:attrName>ppt_x</p:attrName>
-                                        </p:attrNameLst>
-                                      </p:cBhvr>
-                                      <p:tavLst>
-                                        <p:tav tm="0">
-                                          <p:val>
-                                            <p:strVal val="ppt_x"/>
-                                          </p:val>
-                                        </p:tav>
-                                        <p:tav tm="100000">
-                                          <p:val>
-                                            <p:strVal val="0-ppt_w/2"/>
-                                          </p:val>
-                                        </p:tav>
-                                      </p:tavLst>
-                                    </p:anim>
-                                    <p:anim calcmode="lin" valueType="num">
-                                      <p:cBhvr additive="base">
-                                        <p:cTn id="38" dur="500"/>
-                                        <p:tgtEl>
-                                          <p:spTgt spid="15"/>
-                                        </p:tgtEl>
-                                        <p:attrNameLst>
-                                          <p:attrName>ppt_y</p:attrName>
-                                        </p:attrNameLst>
-                                      </p:cBhvr>
-                                      <p:tavLst>
-                                        <p:tav tm="0">
-                                          <p:val>
-                                            <p:strVal val="ppt_y"/>
-                                          </p:val>
-                                        </p:tav>
-                                        <p:tav tm="100000">
-                                          <p:val>
-                                            <p:strVal val="ppt_y"/>
-                                          </p:val>
-                                        </p:tav>
-                                      </p:tavLst>
-                                    </p:anim>
-                                    <p:set>
-                                      <p:cBhvr>
-                                        <p:cTn id="39" dur="1" fill="hold">
-                                          <p:stCondLst>
-                                            <p:cond delay="499"/>
-                                          </p:stCondLst>
-                                        </p:cTn>
-                                        <p:tgtEl>
-                                          <p:spTgt spid="15"/>
-                                        </p:tgtEl>
-                                        <p:attrNameLst>
-                                          <p:attrName>style.visibility</p:attrName>
-                                        </p:attrNameLst>
-                                      </p:cBhvr>
-                                      <p:to>
-                                        <p:strVal val="hidden"/>
-                                      </p:to>
-                                    </p:set>
-                                  </p:childTnLst>
-                                </p:cTn>
-                              </p:par>
-                              <p:par>
-                                <p:cTn id="40" presetID="2" presetClass="exit" presetSubtype="8" fill="hold" grpId="1" nodeType="withEffect">
-                                  <p:stCondLst>
-                                    <p:cond delay="0"/>
-                                  </p:stCondLst>
-                                  <p:childTnLst>
-                                    <p:anim calcmode="lin" valueType="num">
-                                      <p:cBhvr additive="base">
-                                        <p:cTn id="41" dur="500"/>
-                                        <p:tgtEl>
-                                          <p:spTgt spid="16">
-                                            <p:txEl>
-                                              <p:pRg st="0" end="0"/>
-                                            </p:txEl>
-                                          </p:spTgt>
-                                        </p:tgtEl>
-                                        <p:attrNameLst>
-                                          <p:attrName>ppt_x</p:attrName>
-                                        </p:attrNameLst>
-                                      </p:cBhvr>
-                                      <p:tavLst>
-                                        <p:tav tm="0">
-                                          <p:val>
-                                            <p:strVal val="ppt_x"/>
-                                          </p:val>
-                                        </p:tav>
-                                        <p:tav tm="100000">
-                                          <p:val>
-                                            <p:strVal val="0-ppt_w/2"/>
-                                          </p:val>
-                                        </p:tav>
-                                      </p:tavLst>
-                                    </p:anim>
-                                    <p:anim calcmode="lin" valueType="num">
-                                      <p:cBhvr additive="base">
-                                        <p:cTn id="42" dur="500"/>
-                                        <p:tgtEl>
-                                          <p:spTgt spid="16">
-                                            <p:txEl>
-                                              <p:pRg st="0" end="0"/>
-                                            </p:txEl>
-                                          </p:spTgt>
-                                        </p:tgtEl>
-                                        <p:attrNameLst>
-                                          <p:attrName>ppt_y</p:attrName>
-                                        </p:attrNameLst>
-                                      </p:cBhvr>
-                                      <p:tavLst>
-                                        <p:tav tm="0">
-                                          <p:val>
-                                            <p:strVal val="ppt_y"/>
-                                          </p:val>
-                                        </p:tav>
-                                        <p:tav tm="100000">
-                                          <p:val>
-                                            <p:strVal val="ppt_y"/>
-                                          </p:val>
-                                        </p:tav>
-                                      </p:tavLst>
-                                    </p:anim>
-                                    <p:set>
-                                      <p:cBhvr>
-                                        <p:cTn id="43" dur="1" fill="hold">
-                                          <p:stCondLst>
-                                            <p:cond delay="499"/>
-                                          </p:stCondLst>
-                                        </p:cTn>
-                                        <p:tgtEl>
-                                          <p:spTgt spid="16">
-                                            <p:txEl>
-                                              <p:pRg st="0" end="0"/>
-                                            </p:txEl>
-                                          </p:spTgt>
-                                        </p:tgtEl>
-                                        <p:attrNameLst>
-                                          <p:attrName>style.visibility</p:attrName>
-                                        </p:attrNameLst>
-                                      </p:cBhvr>
-                                      <p:to>
-                                        <p:strVal val="hidden"/>
-                                      </p:to>
-                                    </p:set>
-                                  </p:childTnLst>
-                                </p:cTn>
-                              </p:par>
-                            </p:childTnLst>
-                          </p:cTn>
-                        </p:par>
-                      </p:childTnLst>
-                    </p:cTn>
-                  </p:par>
-                </p:childTnLst>
-              </p:cTn>
-              <p:prevCondLst>
-                <p:cond evt="onPrev" delay="0">
-                  <p:tgtEl>
-                    <p:sldTgt/>
-                  </p:tgtEl>
-                </p:cond>
-              </p:prevCondLst>
-              <p:nextCondLst>
-                <p:cond evt="onNext" delay="0">
-                  <p:tgtEl>
-                    <p:sldTgt/>
-                  </p:tgtEl>
-                </p:cond>
-              </p:nextCondLst>
-            </p:seq>
-          </p:childTnLst>
-        </p:cTn>
-      </p:par>
-    </p:tnLst>
-    <p:bldLst>
-      <p:bldP spid="2" grpId="0"/>
-      <p:bldP spid="2" grpId="1"/>
-      <p:bldP spid="2" grpId="2"/>
-      <p:bldP spid="12" grpId="0"/>
-      <p:bldP spid="12" grpId="1"/>
-      <p:bldP spid="12" grpId="2"/>
-      <p:bldP spid="16" grpId="0" build="p"/>
-      <p:bldP spid="16" grpId="1" build="p"/>
-    </p:bldLst>
-  </p:timing>
-</p:sld>
-</file>
-
-<file path=ppt/slides/slide2.xml><?xml version="1.0" encoding="utf-8"?>
-<p:sld xmlns:a="http://schemas.openxmlformats.org/drawingml/2006/main" xmlns:r="http://schemas.openxmlformats.org/officeDocument/2006/relationships" xmlns:p="http://schemas.openxmlformats.org/presentationml/2006/main">
-  <p:cSld>
-    <p:bg>
-      <p:bgPr>
-        <a:gradFill>
-          <a:gsLst>
-            <a:gs pos="0">
-              <a:srgbClr val="EEA849"/>
-            </a:gs>
-            <a:gs pos="100000">
-              <a:srgbClr val="F46B45"/>
-            </a:gs>
-          </a:gsLst>
-          <a:lin ang="5400000" scaled="1"/>
-        </a:gradFill>
-        <a:effectLst/>
-      </p:bgPr>
-    </p:bg>
-    <p:spTree>
-      <p:nvGrpSpPr>
-        <p:cNvPr id="1" name=""/>
-        <p:cNvGrpSpPr/>
-        <p:nvPr/>
-      </p:nvGrpSpPr>
-      <p:grpSpPr>
-        <a:xfrm>
-          <a:off x="0" y="0"/>
-          <a:ext cx="0" cy="0"/>
-          <a:chOff x="0" y="0"/>
-          <a:chExt cx="0" cy="0"/>
-        </a:xfrm>
-      </p:grpSpPr>
       <p:pic>
         <p:nvPicPr>
           <p:cNvPr id="12" name="Picture 11"/>
@@ -4257,35 +3395,6 @@
           </a:prstGeom>
         </p:spPr>
       </p:pic>
-      <p:pic>
-        <p:nvPicPr>
-          <p:cNvPr id="35" name="Content Placeholder 3"/>
-          <p:cNvPicPr>
-            <a:picLocks noGrp="1" noChangeAspect="1"/>
-          </p:cNvPicPr>
-          <p:nvPr>
-            <p:ph idx="1"/>
-          </p:nvPr>
-        </p:nvPicPr>
-        <p:blipFill>
-          <a:blip r:embed="rId8">
-            <a:extLst>
-              <a:ext uri="{28A0092B-C50C-407E-A947-70E740481C1C}">
-                <a14:useLocalDpi xmlns:a14="http://schemas.microsoft.com/office/drawing/2010/main" val="0"/>
-              </a:ext>
-            </a:extLst>
-          </a:blip>
-          <a:stretch>
-            <a:fillRect/>
-          </a:stretch>
-        </p:blipFill>
-        <p:spPr>
-          <a:xfrm>
-            <a:off x="10629900" y="248879"/>
-            <a:ext cx="1363027" cy="527624"/>
-          </a:xfrm>
-        </p:spPr>
-      </p:pic>
     </p:spTree>
     <p:extLst>
       <p:ext uri="{BB962C8B-B14F-4D97-AF65-F5344CB8AC3E}">
@@ -4296,6 +3405,18 @@
   <p:clrMapOvr>
     <a:masterClrMapping/>
   </p:clrMapOvr>
+  <mc:AlternateContent xmlns:mc="http://schemas.openxmlformats.org/markup-compatibility/2006">
+    <mc:Choice xmlns:p14="http://schemas.microsoft.com/office/powerpoint/2010/main" Requires="p14">
+      <p:transition spd="med" p14:dur="700">
+        <p:fade/>
+      </p:transition>
+    </mc:Choice>
+    <mc:Fallback>
+      <p:transition spd="med">
+        <p:fade/>
+      </p:transition>
+    </mc:Fallback>
+  </mc:AlternateContent>
   <p:timing>
     <p:tnLst>
       <p:par>
@@ -4308,9 +3429,6 @@
                     <p:cTn id="3" fill="hold">
                       <p:stCondLst>
                         <p:cond delay="indefinite"/>
-                        <p:cond evt="onBegin" delay="0">
-                          <p:tn val="2"/>
-                        </p:cond>
                       </p:stCondLst>
                       <p:childTnLst>
                         <p:par>
@@ -4320,7 +3438,7 @@
                             </p:stCondLst>
                             <p:childTnLst>
                               <p:par>
-                                <p:cTn id="5" presetID="1" presetClass="entr" presetSubtype="0" fill="hold" nodeType="afterEffect">
+                                <p:cTn id="5" presetID="10" presetClass="entr" presetSubtype="0" fill="hold" nodeType="clickEffect">
                                   <p:stCondLst>
                                     <p:cond delay="0"/>
                                   </p:stCondLst>
@@ -4328,6 +3446,85 @@
                                     <p:set>
                                       <p:cBhvr>
                                         <p:cTn id="6" dur="1" fill="hold">
+                                          <p:stCondLst>
+                                            <p:cond delay="0"/>
+                                          </p:stCondLst>
+                                        </p:cTn>
+                                        <p:tgtEl>
+                                          <p:spTgt spid="31"/>
+                                        </p:tgtEl>
+                                        <p:attrNameLst>
+                                          <p:attrName>style.visibility</p:attrName>
+                                        </p:attrNameLst>
+                                      </p:cBhvr>
+                                      <p:to>
+                                        <p:strVal val="visible"/>
+                                      </p:to>
+                                    </p:set>
+                                    <p:animEffect transition="in" filter="fade">
+                                      <p:cBhvr>
+                                        <p:cTn id="7" dur="500"/>
+                                        <p:tgtEl>
+                                          <p:spTgt spid="31"/>
+                                        </p:tgtEl>
+                                      </p:cBhvr>
+                                    </p:animEffect>
+                                  </p:childTnLst>
+                                </p:cTn>
+                              </p:par>
+                              <p:par>
+                                <p:cTn id="8" presetID="10" presetClass="entr" presetSubtype="0" fill="hold" nodeType="withEffect">
+                                  <p:stCondLst>
+                                    <p:cond delay="0"/>
+                                  </p:stCondLst>
+                                  <p:childTnLst>
+                                    <p:set>
+                                      <p:cBhvr>
+                                        <p:cTn id="9" dur="1" fill="hold">
+                                          <p:stCondLst>
+                                            <p:cond delay="0"/>
+                                          </p:stCondLst>
+                                        </p:cTn>
+                                        <p:tgtEl>
+                                          <p:spTgt spid="29"/>
+                                        </p:tgtEl>
+                                        <p:attrNameLst>
+                                          <p:attrName>style.visibility</p:attrName>
+                                        </p:attrNameLst>
+                                      </p:cBhvr>
+                                      <p:to>
+                                        <p:strVal val="visible"/>
+                                      </p:to>
+                                    </p:set>
+                                    <p:animEffect transition="in" filter="fade">
+                                      <p:cBhvr>
+                                        <p:cTn id="10" dur="500"/>
+                                        <p:tgtEl>
+                                          <p:spTgt spid="29"/>
+                                        </p:tgtEl>
+                                      </p:cBhvr>
+                                    </p:animEffect>
+                                  </p:childTnLst>
+                                </p:cTn>
+                              </p:par>
+                            </p:childTnLst>
+                          </p:cTn>
+                        </p:par>
+                        <p:par>
+                          <p:cTn id="11" fill="hold">
+                            <p:stCondLst>
+                              <p:cond delay="500"/>
+                            </p:stCondLst>
+                            <p:childTnLst>
+                              <p:par>
+                                <p:cTn id="12" presetID="1" presetClass="entr" presetSubtype="0" fill="hold" nodeType="afterEffect">
+                                  <p:stCondLst>
+                                    <p:cond delay="0"/>
+                                  </p:stCondLst>
+                                  <p:childTnLst>
+                                    <p:set>
+                                      <p:cBhvr>
+                                        <p:cTn id="13" dur="1" fill="hold">
                                           <p:stCondLst>
                                             <p:cond delay="0"/>
                                           </p:stCondLst>
@@ -4350,20 +3547,20 @@
                           </p:cTn>
                         </p:par>
                         <p:par>
-                          <p:cTn id="7" fill="hold">
+                          <p:cTn id="14" fill="hold">
                             <p:stCondLst>
-                              <p:cond delay="0"/>
+                              <p:cond delay="500"/>
                             </p:stCondLst>
                             <p:childTnLst>
                               <p:par>
-                                <p:cTn id="8" presetID="59" presetClass="path" presetSubtype="0" accel="50000" decel="50000" fill="hold" nodeType="afterEffect">
+                                <p:cTn id="15" presetID="59" presetClass="path" presetSubtype="0" accel="50000" decel="50000" fill="hold" nodeType="afterEffect">
                                   <p:stCondLst>
                                     <p:cond delay="0"/>
                                   </p:stCondLst>
                                   <p:childTnLst>
                                     <p:animMotion origin="layout" path="M -0.00013 -0.00024 C -0.03346 -0.00024 -0.05924 -0.05487 -0.05924 -0.12107 C -0.05924 -0.18936 -0.03346 -0.24399 -0.00013 -0.24399 C 0.03308 -0.24399 0.05899 -0.29838 0.05899 -0.36667 C 0.05899 -0.43287 0.03308 -0.48774 -0.00013 -0.48774 " pathEditMode="relative" rAng="16200000" ptsTypes="AAAAA">
                                       <p:cBhvr>
-                                        <p:cTn id="9" dur="3000" fill="hold"/>
+                                        <p:cTn id="16" dur="3000" fill="hold"/>
                                         <p:tgtEl>
                                           <p:spTgt spid="12"/>
                                         </p:tgtEl>
@@ -4378,14 +3575,14 @@
                                 </p:cTn>
                               </p:par>
                               <p:par>
-                                <p:cTn id="10" presetID="1" presetClass="entr" presetSubtype="0" fill="hold" nodeType="withEffect">
+                                <p:cTn id="17" presetID="1" presetClass="entr" presetSubtype="0" fill="hold" nodeType="withEffect">
                                   <p:stCondLst>
                                     <p:cond delay="500"/>
                                   </p:stCondLst>
                                   <p:childTnLst>
                                     <p:set>
                                       <p:cBhvr>
-                                        <p:cTn id="11" dur="1" fill="hold">
+                                        <p:cTn id="18" dur="1" fill="hold">
                                           <p:stCondLst>
                                             <p:cond delay="0"/>
                                           </p:stCondLst>
@@ -4405,14 +3602,14 @@
                                 </p:cTn>
                               </p:par>
                               <p:par>
-                                <p:cTn id="12" presetID="59" presetClass="path" presetSubtype="0" accel="50000" decel="50000" fill="hold" nodeType="withEffect">
+                                <p:cTn id="19" presetID="59" presetClass="path" presetSubtype="0" accel="50000" decel="50000" fill="hold" nodeType="withEffect">
                                   <p:stCondLst>
                                     <p:cond delay="1000"/>
                                   </p:stCondLst>
                                   <p:childTnLst>
                                     <p:animMotion origin="layout" path="M 1.25E-6 2.59259E-6 C -0.01302 0.02153 -0.05352 -0.01922 -0.09102 -0.09028 C -0.1293 -0.1632 -0.14961 -0.23912 -0.13646 -0.26088 C -0.12357 -0.28241 -0.14427 -0.3588 -0.18203 -0.43033 C -0.21953 -0.50209 -0.26029 -0.54375 -0.27383 -0.52199 " pathEditMode="relative" rAng="13620000" ptsTypes="AAAAA">
                                       <p:cBhvr>
-                                        <p:cTn id="13" dur="3000" fill="hold"/>
+                                        <p:cTn id="20" dur="3000" fill="hold"/>
                                         <p:tgtEl>
                                           <p:spTgt spid="13"/>
                                         </p:tgtEl>
@@ -4427,14 +3624,14 @@
                                 </p:cTn>
                               </p:par>
                               <p:par>
-                                <p:cTn id="14" presetID="1" presetClass="entr" presetSubtype="0" fill="hold" nodeType="withEffect">
+                                <p:cTn id="21" presetID="1" presetClass="entr" presetSubtype="0" fill="hold" nodeType="withEffect">
                                   <p:stCondLst>
                                     <p:cond delay="1500"/>
                                   </p:stCondLst>
                                   <p:childTnLst>
                                     <p:set>
                                       <p:cBhvr>
-                                        <p:cTn id="15" dur="1" fill="hold">
+                                        <p:cTn id="22" dur="1" fill="hold">
                                           <p:stCondLst>
                                             <p:cond delay="0"/>
                                           </p:stCondLst>
@@ -4454,14 +3651,14 @@
                                 </p:cTn>
                               </p:par>
                               <p:par>
-                                <p:cTn id="16" presetID="0" presetClass="path" presetSubtype="0" accel="50000" decel="50000" fill="hold" nodeType="withEffect">
+                                <p:cTn id="23" presetID="0" presetClass="path" presetSubtype="0" accel="50000" decel="50000" fill="hold" nodeType="withEffect">
                                   <p:stCondLst>
                                     <p:cond delay="1500"/>
                                   </p:stCondLst>
                                   <p:childTnLst>
                                     <p:animMotion origin="layout" path="M -2.70833E-6 -7.40741E-7 L -2.70833E-6 -7.40741E-7 C -0.00143 -0.02268 -0.00117 -0.01412 -2.70833E-6 -0.04884 C 0.00013 -0.05162 0.00039 -0.0544 0.00078 -0.05717 C 0.00169 -0.06319 0.003 -0.06921 0.00547 -0.07384 C 0.00625 -0.07523 0.0069 -0.07662 0.00781 -0.07801 C 0.00925 -0.07986 0.0112 -0.08102 0.0125 -0.08356 C 0.01328 -0.08495 0.01393 -0.08657 0.01484 -0.08773 C 0.01576 -0.08889 0.01693 -0.08958 0.01797 -0.09051 C 0.02331 -0.09398 0.01901 -0.08981 0.02344 -0.09328 C 0.02917 -0.09745 0.02396 -0.09491 0.02969 -0.09745 C 0.03776 -0.09699 0.04583 -0.09676 0.05391 -0.09606 C 0.05521 -0.09583 0.05651 -0.09491 0.05781 -0.09467 C 0.05938 -0.09398 0.06094 -0.09375 0.0625 -0.09328 C 0.06797 -0.09375 0.07344 -0.09328 0.07891 -0.09467 C 0.07982 -0.09491 0.0806 -0.09606 0.08125 -0.09745 C 0.08333 -0.10139 0.08672 -0.10995 0.08672 -0.10995 C 0.08867 -0.12361 0.08594 -0.10671 0.08984 -0.12106 C 0.09037 -0.12268 0.09037 -0.12477 0.09063 -0.12662 C 0.09115 -0.12893 0.0918 -0.13102 0.09219 -0.13356 C 0.09284 -0.1368 0.09323 -0.14004 0.09375 -0.14328 C 0.09427 -0.1456 0.09492 -0.14791 0.09531 -0.15023 C 0.09609 -0.1544 0.09623 -0.15833 0.09688 -0.16273 C 0.09753 -0.16736 0.0987 -0.1706 0.1 -0.17523 C 0.10013 -0.17662 0.10117 -0.18588 0.10156 -0.18773 C 0.10221 -0.19028 0.10456 -0.1993 0.10625 -0.20301 C 0.10703 -0.2044 0.10794 -0.20555 0.10859 -0.20717 C 0.11172 -0.21342 0.11172 -0.2169 0.11641 -0.22245 C 0.11719 -0.22338 0.11797 -0.22453 0.11875 -0.22523 C 0.12031 -0.22639 0.12201 -0.22685 0.12344 -0.22801 C 0.13138 -0.23449 0.12305 -0.23078 0.13203 -0.23356 C 0.13386 -0.23495 0.13568 -0.2368 0.1375 -0.23773 C 0.13932 -0.23866 0.14115 -0.23866 0.14297 -0.23912 C 0.14453 -0.23958 0.14623 -0.23981 0.14766 -0.24051 C 0.1612 -0.24676 0.14792 -0.24352 0.16328 -0.24606 C 0.16432 -0.24699 0.16524 -0.24884 0.16641 -0.24884 C 0.18711 -0.24884 0.1875 -0.24838 0.2 -0.24467 C 0.2013 -0.24375 0.20261 -0.24259 0.20391 -0.2419 C 0.20807 -0.23935 0.20964 -0.23958 0.21328 -0.23634 C 0.21471 -0.23518 0.21589 -0.23333 0.21719 -0.23217 C 0.21875 -0.23102 0.22031 -0.23009 0.22188 -0.2294 L 0.22813 -0.22662 C 0.22891 -0.22569 0.22969 -0.2243 0.23047 -0.22384 C 0.23203 -0.22291 0.23359 -0.22245 0.23516 -0.22245 C 0.24245 -0.22245 0.24974 -0.22338 0.25703 -0.22384 C 0.25899 -0.22639 0.26302 -0.23171 0.26484 -0.23356 L 0.27109 -0.23912 C 0.27448 -0.24815 0.27044 -0.23912 0.27578 -0.24467 C 0.27682 -0.2456 0.27734 -0.24745 0.27813 -0.24884 C 0.27891 -0.24977 0.27982 -0.25069 0.28047 -0.25162 C 0.28164 -0.25301 0.28268 -0.25416 0.28359 -0.25578 C 0.28581 -0.25903 0.28633 -0.26157 0.28906 -0.26412 C 0.29011 -0.26504 0.29115 -0.26504 0.29219 -0.26551 C 0.29636 -0.27268 0.29258 -0.26713 0.29844 -0.27245 C 0.29935 -0.27315 0.30013 -0.27407 0.30078 -0.27523 C 0.30169 -0.27639 0.30221 -0.27847 0.30313 -0.2794 C 0.30417 -0.28032 0.30534 -0.28009 0.30625 -0.28078 C 0.30768 -0.28148 0.30899 -0.28264 0.31016 -0.28356 C 0.31133 -0.28449 0.31224 -0.28565 0.31328 -0.28634 C 0.31367 -0.28657 0.32188 -0.29028 0.32344 -0.29051 C 0.32578 -0.29074 0.32813 -0.29051 0.3306 -0.29051 " pathEditMode="relative" ptsTypes="AAAAAAAAAAAAAAAAAAAAAAAAAAAAAAAAAAAAAAAAAAAAAAAAAAAAAAAAAAAAA">
                                       <p:cBhvr>
-                                        <p:cTn id="17" dur="3000" fill="hold"/>
+                                        <p:cTn id="24" dur="3000" fill="hold"/>
                                         <p:tgtEl>
                                           <p:spTgt spid="14"/>
                                         </p:tgtEl>
@@ -4475,14 +3672,14 @@
                                 </p:cTn>
                               </p:par>
                               <p:par>
-                                <p:cTn id="18" presetID="1" presetClass="entr" presetSubtype="0" fill="hold" nodeType="withEffect">
+                                <p:cTn id="25" presetID="1" presetClass="entr" presetSubtype="0" fill="hold" nodeType="withEffect">
                                   <p:stCondLst>
                                     <p:cond delay="1500"/>
                                   </p:stCondLst>
                                   <p:childTnLst>
                                     <p:set>
                                       <p:cBhvr>
-                                        <p:cTn id="19" dur="1" fill="hold">
+                                        <p:cTn id="26" dur="1" fill="hold">
                                           <p:stCondLst>
                                             <p:cond delay="0"/>
                                           </p:stCondLst>
@@ -4502,14 +3699,14 @@
                                 </p:cTn>
                               </p:par>
                               <p:par>
-                                <p:cTn id="20" presetID="0" presetClass="path" presetSubtype="0" accel="50000" decel="50000" fill="hold" nodeType="withEffect">
+                                <p:cTn id="27" presetID="0" presetClass="path" presetSubtype="0" accel="50000" decel="50000" fill="hold" nodeType="withEffect">
                                   <p:stCondLst>
                                     <p:cond delay="2000"/>
                                   </p:stCondLst>
                                   <p:childTnLst>
                                     <p:animMotion origin="layout" path="M -0.00091 -0.00024 L -0.00091 0.00023 C -0.00364 -0.00649 -0.00612 -0.0132 -0.00924 -0.01899 C -0.00989 -0.02037 -0.0108 -0.02176 -0.01145 -0.02315 C -0.01627 -0.03658 -0.00924 -0.02223 -0.01523 -0.03334 C -0.01549 -0.03565 -0.01549 -0.03843 -0.01588 -0.04051 C -0.01614 -0.04213 -0.01705 -0.04329 -0.01744 -0.04491 C -0.01797 -0.04723 -0.01783 -0.04977 -0.01823 -0.05209 C -0.01836 -0.05371 -0.01875 -0.05486 -0.01901 -0.05625 C -0.01914 -0.0588 -0.01927 -0.06135 -0.01966 -0.06366 C -0.02005 -0.06574 -0.0207 -0.06736 -0.02122 -0.06945 C -0.02265 -0.09005 -0.02278 -0.08727 -0.02122 -0.11991 C -0.02109 -0.12176 -0.02018 -0.12269 -0.01966 -0.12408 C -0.01914 -0.12616 -0.01901 -0.12848 -0.01823 -0.12986 C -0.01757 -0.13125 -0.01666 -0.13218 -0.01588 -0.13287 C -0.00898 -0.14074 -0.01744 -0.1301 -0.00924 -0.14005 C -0.00768 -0.1419 -0.00468 -0.14584 -0.00468 -0.14561 C -0.00416 -0.14723 -0.00377 -0.14885 -0.00312 -0.15 C -0.00195 -0.15255 0.00078 -0.1544 0.00209 -0.15579 C 0.00599 -0.16019 0.00417 -0.16065 0.01042 -0.16459 C 0.01107 -0.16505 0.01185 -0.16551 0.01263 -0.16598 C 0.01368 -0.1669 0.01472 -0.16783 0.01563 -0.16875 C 0.01654 -0.16968 0.01719 -0.1713 0.01784 -0.17176 C 0.01914 -0.17269 0.02045 -0.17269 0.02162 -0.17315 C 0.02292 -0.17454 0.02409 -0.17639 0.02539 -0.17755 C 0.02618 -0.17824 0.02709 -0.17848 0.02761 -0.17894 C 0.0336 -0.18473 0.02657 -0.17963 0.03217 -0.18334 C 0.04102 -0.20024 0.02696 -0.17361 0.03737 -0.1919 C 0.03933 -0.19537 0.04063 -0.19954 0.04271 -0.20209 C 0.04349 -0.20301 0.0444 -0.20371 0.04493 -0.20486 C 0.04818 -0.21181 0.04948 -0.21644 0.05183 -0.22361 C 0.05391 -0.24028 0.05052 -0.22061 0.05482 -0.23218 C 0.05534 -0.23403 0.05521 -0.23635 0.0556 -0.23797 C 0.05599 -0.24028 0.05664 -0.2419 0.05717 -0.24375 C 0.0573 -0.2463 0.05743 -0.24885 0.05782 -0.25093 C 0.05795 -0.25324 0.0586 -0.25486 0.0586 -0.25672 C 0.0586 -0.26713 0.05834 -0.27732 0.05782 -0.28704 C 0.05756 -0.29074 0.05677 -0.29375 0.05638 -0.29723 C 0.05599 -0.29908 0.05573 -0.30093 0.0556 -0.30301 C 0.05495 -0.30764 0.05456 -0.31274 0.05404 -0.31736 C 0.053 -0.32593 0.05352 -0.3213 0.05261 -0.33172 C 0.05287 -0.34098 0.05248 -0.35024 0.05339 -0.35926 C 0.05352 -0.36158 0.05495 -0.36297 0.0556 -0.36505 C 0.05599 -0.3669 0.05586 -0.36899 0.05638 -0.37061 C 0.05677 -0.37246 0.05977 -0.37986 0.06081 -0.38079 C 0.06224 -0.38241 0.06381 -0.38264 0.06537 -0.38357 L 0.07214 -0.38797 L 0.07435 -0.38936 L 0.0767 -0.39098 C 0.08321 -0.40371 0.07487 -0.3882 0.08112 -0.39815 C 0.08698 -0.40741 0.08008 -0.39838 0.08568 -0.40533 C 0.0892 -0.41574 0.08477 -0.40301 0.08946 -0.41551 C 0.08998 -0.4169 0.09037 -0.41829 0.09089 -0.41968 C 0.09154 -0.42431 0.09154 -0.4257 0.09245 -0.42986 C 0.09297 -0.43241 0.09349 -0.43473 0.09388 -0.43704 C 0.09414 -0.43889 0.0944 -0.44098 0.09467 -0.44283 C 0.09519 -0.44792 0.09584 -0.45348 0.09623 -0.45834 C 0.09649 -0.46158 0.09688 -0.46482 0.09701 -0.46852 C 0.09701 -0.47986 0.09701 -0.49167 0.09701 -0.50324 " pathEditMode="relative" rAng="0" ptsTypes="AAAAAAAAAAAAAAAAAAAAAAAAAAAAAAAAAAAAAAAAAAAAAAAAAAAAAAAAAAA">
                                       <p:cBhvr>
-                                        <p:cTn id="21" dur="3000" fill="hold"/>
+                                        <p:cTn id="28" dur="3000" fill="hold"/>
                                         <p:tgtEl>
                                           <p:spTgt spid="16"/>
                                         </p:tgtEl>
@@ -4527,20 +3724,20 @@
                           </p:cTn>
                         </p:par>
                         <p:par>
-                          <p:cTn id="22" fill="hold">
+                          <p:cTn id="29" fill="hold">
                             <p:stCondLst>
-                              <p:cond delay="5000"/>
+                              <p:cond delay="5500"/>
                             </p:stCondLst>
                             <p:childTnLst>
                               <p:par>
-                                <p:cTn id="23" presetID="1" presetClass="entr" presetSubtype="0" fill="hold" nodeType="afterEffect">
+                                <p:cTn id="30" presetID="1" presetClass="entr" presetSubtype="0" fill="hold" nodeType="afterEffect">
                                   <p:stCondLst>
                                     <p:cond delay="0"/>
                                   </p:stCondLst>
                                   <p:childTnLst>
                                     <p:set>
                                       <p:cBhvr>
-                                        <p:cTn id="24" dur="1" fill="hold">
+                                        <p:cTn id="31" dur="1" fill="hold">
                                           <p:stCondLst>
                                             <p:cond delay="0"/>
                                           </p:stCondLst>
@@ -4560,14 +3757,14 @@
                                 </p:cTn>
                               </p:par>
                               <p:par>
-                                <p:cTn id="25" presetID="1" presetClass="entr" presetSubtype="0" fill="hold" nodeType="withEffect">
+                                <p:cTn id="32" presetID="1" presetClass="entr" presetSubtype="0" fill="hold" nodeType="withEffect">
                                   <p:stCondLst>
                                     <p:cond delay="0"/>
                                   </p:stCondLst>
                                   <p:childTnLst>
                                     <p:set>
                                       <p:cBhvr>
-                                        <p:cTn id="26" dur="1" fill="hold">
+                                        <p:cTn id="33" dur="1" fill="hold">
                                           <p:stCondLst>
                                             <p:cond delay="0"/>
                                           </p:stCondLst>
@@ -4587,14 +3784,14 @@
                                 </p:cTn>
                               </p:par>
                               <p:par>
-                                <p:cTn id="27" presetID="2" presetClass="entr" presetSubtype="4" fill="hold" nodeType="withEffect">
+                                <p:cTn id="34" presetID="2" presetClass="entr" presetSubtype="4" fill="hold" nodeType="withEffect">
                                   <p:stCondLst>
                                     <p:cond delay="0"/>
                                   </p:stCondLst>
                                   <p:childTnLst>
                                     <p:set>
                                       <p:cBhvr>
-                                        <p:cTn id="28" dur="1" fill="hold">
+                                        <p:cTn id="35" dur="1" fill="hold">
                                           <p:stCondLst>
                                             <p:cond delay="0"/>
                                           </p:stCondLst>
@@ -4612,7 +3809,7 @@
                                     </p:set>
                                     <p:anim calcmode="lin" valueType="num">
                                       <p:cBhvr additive="base">
-                                        <p:cTn id="29" dur="500" fill="hold"/>
+                                        <p:cTn id="36" dur="500" fill="hold"/>
                                         <p:tgtEl>
                                           <p:spTgt spid="33"/>
                                         </p:tgtEl>
@@ -4635,7 +3832,7 @@
                                     </p:anim>
                                     <p:anim calcmode="lin" valueType="num">
                                       <p:cBhvr additive="base">
-                                        <p:cTn id="30" dur="500" fill="hold"/>
+                                        <p:cTn id="37" dur="500" fill="hold"/>
                                         <p:tgtEl>
                                           <p:spTgt spid="33"/>
                                         </p:tgtEl>
@@ -4660,14 +3857,14 @@
                                 </p:cTn>
                               </p:par>
                               <p:par>
-                                <p:cTn id="31" presetID="64" presetClass="path" presetSubtype="0" accel="50000" decel="50000" fill="hold" nodeType="withEffect">
+                                <p:cTn id="38" presetID="64" presetClass="path" presetSubtype="0" accel="50000" decel="50000" fill="hold" nodeType="withEffect">
                                   <p:stCondLst>
                                     <p:cond delay="0"/>
                                   </p:stCondLst>
                                   <p:childTnLst>
-                                    <p:animMotion origin="layout" path="M 0 0 L 0 -0.25 E" pathEditMode="relative" ptsTypes="">
-                                      <p:cBhvr>
-                                        <p:cTn id="32" dur="2000" fill="hold"/>
+                                    <p:animMotion origin="layout" path="M 0.0125 -0.00695 L 0.0125 -0.25695 " pathEditMode="relative" rAng="0" ptsTypes="AA">
+                                      <p:cBhvr>
+                                        <p:cTn id="39" dur="2000" fill="hold"/>
                                         <p:tgtEl>
                                           <p:spTgt spid="17"/>
                                         </p:tgtEl>
@@ -4676,19 +3873,20 @@
                                           <p:attrName>ppt_y</p:attrName>
                                         </p:attrNameLst>
                                       </p:cBhvr>
+                                      <p:rCtr x="0" y="-12500"/>
                                     </p:animMotion>
                                   </p:childTnLst>
                                 </p:cTn>
                               </p:par>
                               <p:par>
-                                <p:cTn id="33" presetID="64" presetClass="path" presetSubtype="0" accel="50000" decel="50000" fill="hold" nodeType="withEffect">
+                                <p:cTn id="40" presetID="64" presetClass="path" presetSubtype="0" accel="50000" decel="50000" fill="hold" nodeType="withEffect">
                                   <p:stCondLst>
                                     <p:cond delay="0"/>
                                   </p:stCondLst>
                                   <p:childTnLst>
-                                    <p:animMotion origin="layout" path="M -2.5E-6 4.81481E-6 L -2.5E-6 -0.25 " pathEditMode="relative" rAng="0" ptsTypes="AA">
-                                      <p:cBhvr>
-                                        <p:cTn id="34" dur="2000" fill="hold"/>
+                                    <p:animMotion origin="layout" path="M 0.00469 -0.00556 L 0.00469 -0.25556 " pathEditMode="relative" rAng="0" ptsTypes="AA">
+                                      <p:cBhvr>
+                                        <p:cTn id="41" dur="2000" fill="hold"/>
                                         <p:tgtEl>
                                           <p:spTgt spid="20"/>
                                         </p:tgtEl>
@@ -4706,20 +3904,20 @@
                           </p:cTn>
                         </p:par>
                         <p:par>
-                          <p:cTn id="35" fill="hold">
+                          <p:cTn id="42" fill="hold">
                             <p:stCondLst>
-                              <p:cond delay="7000"/>
+                              <p:cond delay="7500"/>
                             </p:stCondLst>
                             <p:childTnLst>
                               <p:par>
-                                <p:cTn id="36" presetID="26" presetClass="emph" presetSubtype="0" fill="hold" nodeType="afterEffect">
+                                <p:cTn id="43" presetID="26" presetClass="emph" presetSubtype="0" fill="hold" nodeType="afterEffect">
                                   <p:stCondLst>
                                     <p:cond delay="0"/>
                                   </p:stCondLst>
                                   <p:childTnLst>
                                     <p:animEffect transition="out" filter="fade">
                                       <p:cBhvr>
-                                        <p:cTn id="37" dur="500" tmFilter="0, 0; .2, .5; .8, .5; 1, 0"/>
+                                        <p:cTn id="44" dur="500" tmFilter="0, 0; .2, .5; .8, .5; 1, 0"/>
                                         <p:tgtEl>
                                           <p:spTgt spid="17"/>
                                         </p:tgtEl>
@@ -4727,7 +3925,7 @@
                                     </p:animEffect>
                                     <p:animScale>
                                       <p:cBhvr>
-                                        <p:cTn id="38" dur="250" autoRev="1" fill="hold"/>
+                                        <p:cTn id="45" dur="250" autoRev="1" fill="hold"/>
                                         <p:tgtEl>
                                           <p:spTgt spid="17"/>
                                         </p:tgtEl>
@@ -4738,14 +3936,14 @@
                                 </p:cTn>
                               </p:par>
                               <p:par>
-                                <p:cTn id="39" presetID="26" presetClass="emph" presetSubtype="0" fill="hold" nodeType="withEffect">
+                                <p:cTn id="46" presetID="26" presetClass="emph" presetSubtype="0" fill="hold" nodeType="withEffect">
                                   <p:stCondLst>
                                     <p:cond delay="0"/>
                                   </p:stCondLst>
                                   <p:childTnLst>
                                     <p:animEffect transition="out" filter="fade">
                                       <p:cBhvr>
-                                        <p:cTn id="40" dur="500" tmFilter="0, 0; .2, .5; .8, .5; 1, 0"/>
+                                        <p:cTn id="47" dur="500" tmFilter="0, 0; .2, .5; .8, .5; 1, 0"/>
                                         <p:tgtEl>
                                           <p:spTgt spid="20"/>
                                         </p:tgtEl>
@@ -4753,7 +3951,7 @@
                                     </p:animEffect>
                                     <p:animScale>
                                       <p:cBhvr>
-                                        <p:cTn id="41" dur="250" autoRev="1" fill="hold"/>
+                                        <p:cTn id="48" dur="250" autoRev="1" fill="hold"/>
                                         <p:tgtEl>
                                           <p:spTgt spid="20"/>
                                         </p:tgtEl>
@@ -4764,14 +3962,14 @@
                                 </p:cTn>
                               </p:par>
                               <p:par>
-                                <p:cTn id="42" presetID="45" presetClass="entr" presetSubtype="0" fill="hold" grpId="0" nodeType="withEffect">
+                                <p:cTn id="49" presetID="45" presetClass="entr" presetSubtype="0" fill="hold" grpId="0" nodeType="withEffect">
                                   <p:stCondLst>
                                     <p:cond delay="0"/>
                                   </p:stCondLst>
                                   <p:childTnLst>
                                     <p:set>
                                       <p:cBhvr>
-                                        <p:cTn id="43" dur="1" fill="hold">
+                                        <p:cTn id="50" dur="1" fill="hold">
                                           <p:stCondLst>
                                             <p:cond delay="0"/>
                                           </p:stCondLst>
@@ -4789,7 +3987,7 @@
                                     </p:set>
                                     <p:animEffect transition="in" filter="fade">
                                       <p:cBhvr>
-                                        <p:cTn id="44" dur="2000"/>
+                                        <p:cTn id="51" dur="2000"/>
                                         <p:tgtEl>
                                           <p:spTgt spid="21"/>
                                         </p:tgtEl>
@@ -4797,7 +3995,7 @@
                                     </p:animEffect>
                                     <p:anim calcmode="lin" valueType="num">
                                       <p:cBhvr>
-                                        <p:cTn id="45" dur="2000" fill="hold"/>
+                                        <p:cTn id="52" dur="2000" fill="hold"/>
                                         <p:tgtEl>
                                           <p:spTgt spid="21"/>
                                         </p:tgtEl>
@@ -4820,7 +4018,7 @@
                                     </p:anim>
                                     <p:anim calcmode="lin" valueType="num">
                                       <p:cBhvr>
-                                        <p:cTn id="46" dur="2000" fill="hold"/>
+                                        <p:cTn id="53" dur="2000" fill="hold"/>
                                         <p:tgtEl>
                                           <p:spTgt spid="21"/>
                                         </p:tgtEl>
@@ -4845,14 +4043,14 @@
                                 </p:cTn>
                               </p:par>
                               <p:par>
-                                <p:cTn id="47" presetID="45" presetClass="entr" presetSubtype="0" fill="hold" grpId="0" nodeType="withEffect">
+                                <p:cTn id="54" presetID="45" presetClass="entr" presetSubtype="0" fill="hold" grpId="0" nodeType="withEffect">
                                   <p:stCondLst>
                                     <p:cond delay="0"/>
                                   </p:stCondLst>
                                   <p:childTnLst>
                                     <p:set>
                                       <p:cBhvr>
-                                        <p:cTn id="48" dur="1" fill="hold">
+                                        <p:cTn id="55" dur="1" fill="hold">
                                           <p:stCondLst>
                                             <p:cond delay="0"/>
                                           </p:stCondLst>
@@ -4870,7 +4068,7 @@
                                     </p:set>
                                     <p:animEffect transition="in" filter="fade">
                                       <p:cBhvr>
-                                        <p:cTn id="49" dur="2000"/>
+                                        <p:cTn id="56" dur="2000"/>
                                         <p:tgtEl>
                                           <p:spTgt spid="24"/>
                                         </p:tgtEl>
@@ -4878,7 +4076,7 @@
                                     </p:animEffect>
                                     <p:anim calcmode="lin" valueType="num">
                                       <p:cBhvr>
-                                        <p:cTn id="50" dur="2000" fill="hold"/>
+                                        <p:cTn id="57" dur="2000" fill="hold"/>
                                         <p:tgtEl>
                                           <p:spTgt spid="24"/>
                                         </p:tgtEl>
@@ -4901,7 +4099,7 @@
                                     </p:anim>
                                     <p:anim calcmode="lin" valueType="num">
                                       <p:cBhvr>
-                                        <p:cTn id="51" dur="2000" fill="hold"/>
+                                        <p:cTn id="58" dur="2000" fill="hold"/>
                                         <p:tgtEl>
                                           <p:spTgt spid="24"/>
                                         </p:tgtEl>
@@ -4926,14 +4124,14 @@
                                 </p:cTn>
                               </p:par>
                               <p:par>
-                                <p:cTn id="52" presetID="45" presetClass="entr" presetSubtype="0" fill="hold" grpId="0" nodeType="withEffect">
+                                <p:cTn id="59" presetID="45" presetClass="entr" presetSubtype="0" fill="hold" grpId="0" nodeType="withEffect">
                                   <p:stCondLst>
                                     <p:cond delay="0"/>
                                   </p:stCondLst>
                                   <p:childTnLst>
                                     <p:set>
                                       <p:cBhvr>
-                                        <p:cTn id="53" dur="1" fill="hold">
+                                        <p:cTn id="60" dur="1" fill="hold">
                                           <p:stCondLst>
                                             <p:cond delay="0"/>
                                           </p:stCondLst>
@@ -4951,7 +4149,7 @@
                                     </p:set>
                                     <p:animEffect transition="in" filter="fade">
                                       <p:cBhvr>
-                                        <p:cTn id="54" dur="2000"/>
+                                        <p:cTn id="61" dur="2000"/>
                                         <p:tgtEl>
                                           <p:spTgt spid="22"/>
                                         </p:tgtEl>
@@ -4959,7 +4157,7 @@
                                     </p:animEffect>
                                     <p:anim calcmode="lin" valueType="num">
                                       <p:cBhvr>
-                                        <p:cTn id="55" dur="2000" fill="hold"/>
+                                        <p:cTn id="62" dur="2000" fill="hold"/>
                                         <p:tgtEl>
                                           <p:spTgt spid="22"/>
                                         </p:tgtEl>
@@ -4982,7 +4180,7 @@
                                     </p:anim>
                                     <p:anim calcmode="lin" valueType="num">
                                       <p:cBhvr>
-                                        <p:cTn id="56" dur="2000" fill="hold"/>
+                                        <p:cTn id="63" dur="2000" fill="hold"/>
                                         <p:tgtEl>
                                           <p:spTgt spid="22"/>
                                         </p:tgtEl>
@@ -5013,26 +4211,26 @@
                     </p:cTn>
                   </p:par>
                   <p:par>
-                    <p:cTn id="57" fill="hold">
+                    <p:cTn id="64" fill="hold">
                       <p:stCondLst>
                         <p:cond delay="indefinite"/>
                       </p:stCondLst>
                       <p:childTnLst>
                         <p:par>
-                          <p:cTn id="58" fill="hold">
+                          <p:cTn id="65" fill="hold">
                             <p:stCondLst>
                               <p:cond delay="0"/>
                             </p:stCondLst>
                             <p:childTnLst>
                               <p:par>
-                                <p:cTn id="59" presetID="10" presetClass="exit" presetSubtype="0" fill="hold" nodeType="clickEffect">
+                                <p:cTn id="66" presetID="10" presetClass="exit" presetSubtype="0" fill="hold" nodeType="clickEffect">
                                   <p:stCondLst>
                                     <p:cond delay="0"/>
                                   </p:stCondLst>
                                   <p:childTnLst>
                                     <p:animEffect transition="out" filter="fade">
                                       <p:cBhvr>
-                                        <p:cTn id="60" dur="500"/>
+                                        <p:cTn id="67" dur="500"/>
                                         <p:tgtEl>
                                           <p:spTgt spid="12"/>
                                         </p:tgtEl>
@@ -5040,7 +4238,7 @@
                                     </p:animEffect>
                                     <p:set>
                                       <p:cBhvr>
-                                        <p:cTn id="61" dur="1" fill="hold">
+                                        <p:cTn id="68" dur="1" fill="hold">
                                           <p:stCondLst>
                                             <p:cond delay="499"/>
                                           </p:stCondLst>
@@ -5060,14 +4258,14 @@
                                 </p:cTn>
                               </p:par>
                               <p:par>
-                                <p:cTn id="62" presetID="10" presetClass="exit" presetSubtype="0" fill="hold" nodeType="withEffect">
+                                <p:cTn id="69" presetID="10" presetClass="exit" presetSubtype="0" fill="hold" nodeType="withEffect">
                                   <p:stCondLst>
                                     <p:cond delay="0"/>
                                   </p:stCondLst>
                                   <p:childTnLst>
                                     <p:animEffect transition="out" filter="fade">
                                       <p:cBhvr>
-                                        <p:cTn id="63" dur="500"/>
+                                        <p:cTn id="70" dur="500"/>
                                         <p:tgtEl>
                                           <p:spTgt spid="13"/>
                                         </p:tgtEl>
@@ -5075,7 +4273,7 @@
                                     </p:animEffect>
                                     <p:set>
                                       <p:cBhvr>
-                                        <p:cTn id="64" dur="1" fill="hold">
+                                        <p:cTn id="71" dur="1" fill="hold">
                                           <p:stCondLst>
                                             <p:cond delay="499"/>
                                           </p:stCondLst>
@@ -5095,14 +4293,14 @@
                                 </p:cTn>
                               </p:par>
                               <p:par>
-                                <p:cTn id="65" presetID="10" presetClass="exit" presetSubtype="0" fill="hold" nodeType="withEffect">
+                                <p:cTn id="72" presetID="10" presetClass="exit" presetSubtype="0" fill="hold" nodeType="withEffect">
                                   <p:stCondLst>
                                     <p:cond delay="0"/>
                                   </p:stCondLst>
                                   <p:childTnLst>
                                     <p:animEffect transition="out" filter="fade">
                                       <p:cBhvr>
-                                        <p:cTn id="66" dur="500"/>
+                                        <p:cTn id="73" dur="500"/>
                                         <p:tgtEl>
                                           <p:spTgt spid="14"/>
                                         </p:tgtEl>
@@ -5110,7 +4308,7 @@
                                     </p:animEffect>
                                     <p:set>
                                       <p:cBhvr>
-                                        <p:cTn id="67" dur="1" fill="hold">
+                                        <p:cTn id="74" dur="1" fill="hold">
                                           <p:stCondLst>
                                             <p:cond delay="499"/>
                                           </p:stCondLst>
@@ -5130,14 +4328,14 @@
                                 </p:cTn>
                               </p:par>
                               <p:par>
-                                <p:cTn id="68" presetID="10" presetClass="exit" presetSubtype="0" fill="hold" nodeType="withEffect">
+                                <p:cTn id="75" presetID="10" presetClass="exit" presetSubtype="0" fill="hold" nodeType="withEffect">
                                   <p:stCondLst>
                                     <p:cond delay="0"/>
                                   </p:stCondLst>
                                   <p:childTnLst>
                                     <p:animEffect transition="out" filter="fade">
                                       <p:cBhvr>
-                                        <p:cTn id="69" dur="500"/>
+                                        <p:cTn id="76" dur="500"/>
                                         <p:tgtEl>
                                           <p:spTgt spid="16"/>
                                         </p:tgtEl>
@@ -5145,7 +4343,7 @@
                                     </p:animEffect>
                                     <p:set>
                                       <p:cBhvr>
-                                        <p:cTn id="70" dur="1" fill="hold">
+                                        <p:cTn id="77" dur="1" fill="hold">
                                           <p:stCondLst>
                                             <p:cond delay="499"/>
                                           </p:stCondLst>
@@ -5165,14 +4363,14 @@
                                 </p:cTn>
                               </p:par>
                               <p:par>
-                                <p:cTn id="71" presetID="10" presetClass="exit" presetSubtype="0" fill="hold" nodeType="withEffect">
+                                <p:cTn id="78" presetID="10" presetClass="exit" presetSubtype="0" fill="hold" nodeType="withEffect">
                                   <p:stCondLst>
                                     <p:cond delay="0"/>
                                   </p:stCondLst>
                                   <p:childTnLst>
                                     <p:animEffect transition="out" filter="fade">
                                       <p:cBhvr>
-                                        <p:cTn id="72" dur="500"/>
+                                        <p:cTn id="79" dur="500"/>
                                         <p:tgtEl>
                                           <p:spTgt spid="17"/>
                                         </p:tgtEl>
@@ -5180,7 +4378,7 @@
                                     </p:animEffect>
                                     <p:set>
                                       <p:cBhvr>
-                                        <p:cTn id="73" dur="1" fill="hold">
+                                        <p:cTn id="80" dur="1" fill="hold">
                                           <p:stCondLst>
                                             <p:cond delay="499"/>
                                           </p:stCondLst>
@@ -5200,14 +4398,14 @@
                                 </p:cTn>
                               </p:par>
                               <p:par>
-                                <p:cTn id="74" presetID="10" presetClass="exit" presetSubtype="0" fill="hold" nodeType="withEffect">
+                                <p:cTn id="81" presetID="10" presetClass="exit" presetSubtype="0" fill="hold" nodeType="withEffect">
                                   <p:stCondLst>
                                     <p:cond delay="0"/>
                                   </p:stCondLst>
                                   <p:childTnLst>
                                     <p:animEffect transition="out" filter="fade">
                                       <p:cBhvr>
-                                        <p:cTn id="75" dur="500"/>
+                                        <p:cTn id="82" dur="500"/>
                                         <p:tgtEl>
                                           <p:spTgt spid="20"/>
                                         </p:tgtEl>
@@ -5215,7 +4413,7 @@
                                     </p:animEffect>
                                     <p:set>
                                       <p:cBhvr>
-                                        <p:cTn id="76" dur="1" fill="hold">
+                                        <p:cTn id="83" dur="1" fill="hold">
                                           <p:stCondLst>
                                             <p:cond delay="499"/>
                                           </p:stCondLst>
@@ -5235,14 +4433,14 @@
                                 </p:cTn>
                               </p:par>
                               <p:par>
-                                <p:cTn id="77" presetID="10" presetClass="exit" presetSubtype="0" fill="hold" grpId="1" nodeType="withEffect">
+                                <p:cTn id="84" presetID="10" presetClass="exit" presetSubtype="0" fill="hold" grpId="1" nodeType="withEffect">
                                   <p:stCondLst>
                                     <p:cond delay="0"/>
                                   </p:stCondLst>
                                   <p:childTnLst>
                                     <p:animEffect transition="out" filter="fade">
                                       <p:cBhvr>
-                                        <p:cTn id="78" dur="500"/>
+                                        <p:cTn id="85" dur="500"/>
                                         <p:tgtEl>
                                           <p:spTgt spid="21"/>
                                         </p:tgtEl>
@@ -5250,7 +4448,7 @@
                                     </p:animEffect>
                                     <p:set>
                                       <p:cBhvr>
-                                        <p:cTn id="79" dur="1" fill="hold">
+                                        <p:cTn id="86" dur="1" fill="hold">
                                           <p:stCondLst>
                                             <p:cond delay="499"/>
                                           </p:stCondLst>
@@ -5270,14 +4468,14 @@
                                 </p:cTn>
                               </p:par>
                               <p:par>
-                                <p:cTn id="80" presetID="10" presetClass="exit" presetSubtype="0" fill="hold" grpId="1" nodeType="withEffect">
+                                <p:cTn id="87" presetID="10" presetClass="exit" presetSubtype="0" fill="hold" grpId="1" nodeType="withEffect">
                                   <p:stCondLst>
                                     <p:cond delay="0"/>
                                   </p:stCondLst>
                                   <p:childTnLst>
                                     <p:animEffect transition="out" filter="fade">
                                       <p:cBhvr>
-                                        <p:cTn id="81" dur="500"/>
+                                        <p:cTn id="88" dur="500"/>
                                         <p:tgtEl>
                                           <p:spTgt spid="22"/>
                                         </p:tgtEl>
@@ -5285,7 +4483,7 @@
                                     </p:animEffect>
                                     <p:set>
                                       <p:cBhvr>
-                                        <p:cTn id="82" dur="1" fill="hold">
+                                        <p:cTn id="89" dur="1" fill="hold">
                                           <p:stCondLst>
                                             <p:cond delay="499"/>
                                           </p:stCondLst>
@@ -5305,14 +4503,14 @@
                                 </p:cTn>
                               </p:par>
                               <p:par>
-                                <p:cTn id="83" presetID="10" presetClass="exit" presetSubtype="0" fill="hold" grpId="1" nodeType="withEffect">
+                                <p:cTn id="90" presetID="10" presetClass="exit" presetSubtype="0" fill="hold" grpId="1" nodeType="withEffect">
                                   <p:stCondLst>
                                     <p:cond delay="0"/>
                                   </p:stCondLst>
                                   <p:childTnLst>
                                     <p:animEffect transition="out" filter="fade">
                                       <p:cBhvr>
-                                        <p:cTn id="84" dur="500"/>
+                                        <p:cTn id="91" dur="500"/>
                                         <p:tgtEl>
                                           <p:spTgt spid="24"/>
                                         </p:tgtEl>
@@ -5320,7 +4518,7 @@
                                     </p:animEffect>
                                     <p:set>
                                       <p:cBhvr>
-                                        <p:cTn id="85" dur="1" fill="hold">
+                                        <p:cTn id="92" dur="1" fill="hold">
                                           <p:stCondLst>
                                             <p:cond delay="499"/>
                                           </p:stCondLst>
@@ -5340,14 +4538,14 @@
                                 </p:cTn>
                               </p:par>
                               <p:par>
-                                <p:cTn id="86" presetID="10" presetClass="exit" presetSubtype="0" fill="hold" nodeType="withEffect">
+                                <p:cTn id="93" presetID="10" presetClass="exit" presetSubtype="0" fill="hold" nodeType="withEffect">
                                   <p:stCondLst>
                                     <p:cond delay="0"/>
                                   </p:stCondLst>
                                   <p:childTnLst>
                                     <p:animEffect transition="out" filter="fade">
                                       <p:cBhvr>
-                                        <p:cTn id="87" dur="500"/>
+                                        <p:cTn id="94" dur="500"/>
                                         <p:tgtEl>
                                           <p:spTgt spid="31"/>
                                         </p:tgtEl>
@@ -5355,7 +4553,7 @@
                                     </p:animEffect>
                                     <p:set>
                                       <p:cBhvr>
-                                        <p:cTn id="88" dur="1" fill="hold">
+                                        <p:cTn id="95" dur="1" fill="hold">
                                           <p:stCondLst>
                                             <p:cond delay="499"/>
                                           </p:stCondLst>
@@ -5375,14 +4573,14 @@
                                 </p:cTn>
                               </p:par>
                               <p:par>
-                                <p:cTn id="89" presetID="10" presetClass="exit" presetSubtype="0" fill="hold" nodeType="withEffect">
+                                <p:cTn id="96" presetID="10" presetClass="exit" presetSubtype="0" fill="hold" nodeType="withEffect">
                                   <p:stCondLst>
                                     <p:cond delay="0"/>
                                   </p:stCondLst>
                                   <p:childTnLst>
                                     <p:animEffect transition="out" filter="fade">
                                       <p:cBhvr>
-                                        <p:cTn id="90" dur="500"/>
+                                        <p:cTn id="97" dur="500"/>
                                         <p:tgtEl>
                                           <p:spTgt spid="29"/>
                                         </p:tgtEl>
@@ -5390,7 +4588,7 @@
                                     </p:animEffect>
                                     <p:set>
                                       <p:cBhvr>
-                                        <p:cTn id="91" dur="1" fill="hold">
+                                        <p:cTn id="98" dur="1" fill="hold">
                                           <p:stCondLst>
                                             <p:cond delay="499"/>
                                           </p:stCondLst>
@@ -5410,14 +4608,14 @@
                                 </p:cTn>
                               </p:par>
                               <p:par>
-                                <p:cTn id="92" presetID="10" presetClass="exit" presetSubtype="0" fill="hold" nodeType="withEffect">
+                                <p:cTn id="99" presetID="10" presetClass="exit" presetSubtype="0" fill="hold" nodeType="withEffect">
                                   <p:stCondLst>
                                     <p:cond delay="0"/>
                                   </p:stCondLst>
                                   <p:childTnLst>
                                     <p:animEffect transition="out" filter="fade">
                                       <p:cBhvr>
-                                        <p:cTn id="93" dur="500"/>
+                                        <p:cTn id="100" dur="500"/>
                                         <p:tgtEl>
                                           <p:spTgt spid="33"/>
                                         </p:tgtEl>
@@ -5425,7 +4623,7 @@
                                     </p:animEffect>
                                     <p:set>
                                       <p:cBhvr>
-                                        <p:cTn id="94" dur="1" fill="hold">
+                                        <p:cTn id="101" dur="1" fill="hold">
                                           <p:stCondLst>
                                             <p:cond delay="499"/>
                                           </p:stCondLst>
@@ -5478,6 +4676,868 @@
       <p:bldP spid="22" grpId="1"/>
       <p:bldP spid="24" grpId="0"/>
       <p:bldP spid="24" grpId="1"/>
+    </p:bldLst>
+  </p:timing>
+</p:sld>
+</file>
+
+<file path=ppt/slides/slide2.xml><?xml version="1.0" encoding="utf-8"?>
+<p:sld xmlns:a="http://schemas.openxmlformats.org/drawingml/2006/main" xmlns:r="http://schemas.openxmlformats.org/officeDocument/2006/relationships" xmlns:p="http://schemas.openxmlformats.org/presentationml/2006/main">
+  <p:cSld>
+    <p:bg>
+      <p:bgPr>
+        <a:gradFill>
+          <a:gsLst>
+            <a:gs pos="0">
+              <a:srgbClr val="EEA849"/>
+            </a:gs>
+            <a:gs pos="100000">
+              <a:srgbClr val="F46B45"/>
+            </a:gs>
+          </a:gsLst>
+          <a:lin ang="5400000" scaled="1"/>
+        </a:gradFill>
+        <a:effectLst/>
+      </p:bgPr>
+    </p:bg>
+    <p:spTree>
+      <p:nvGrpSpPr>
+        <p:cNvPr id="1" name=""/>
+        <p:cNvGrpSpPr/>
+        <p:nvPr/>
+      </p:nvGrpSpPr>
+      <p:grpSpPr>
+        <a:xfrm>
+          <a:off x="0" y="0"/>
+          <a:ext cx="0" cy="0"/>
+          <a:chOff x="0" y="0"/>
+          <a:chExt cx="0" cy="0"/>
+        </a:xfrm>
+      </p:grpSpPr>
+      <p:sp>
+        <p:nvSpPr>
+          <p:cNvPr id="2" name="Title 1"/>
+          <p:cNvSpPr>
+            <a:spLocks noGrp="1"/>
+          </p:cNvSpPr>
+          <p:nvPr>
+            <p:ph type="ctrTitle"/>
+          </p:nvPr>
+        </p:nvSpPr>
+        <p:spPr>
+          <a:xfrm>
+            <a:off x="5788793" y="2228671"/>
+            <a:ext cx="1615440" cy="1205193"/>
+          </a:xfrm>
+        </p:spPr>
+        <p:txBody>
+          <a:bodyPr>
+            <a:normAutofit/>
+          </a:bodyPr>
+          <a:lstStyle/>
+          <a:p>
+            <a:r>
+              <a:rPr lang="en-US" sz="7200" b="1" dirty="0" smtClean="0">
+                <a:solidFill>
+                  <a:schemeClr val="bg1"/>
+                </a:solidFill>
+                <a:latin typeface="ubuntu" panose="020B0504030602030204" pitchFamily="34" charset="0"/>
+              </a:rPr>
+              <a:t>lit</a:t>
+            </a:r>
+            <a:endParaRPr lang="en-US" sz="7200" b="1" dirty="0">
+              <a:solidFill>
+                <a:schemeClr val="bg1"/>
+              </a:solidFill>
+              <a:latin typeface="ubuntu" panose="020B0504030602030204" pitchFamily="34" charset="0"/>
+            </a:endParaRPr>
+          </a:p>
+        </p:txBody>
+      </p:sp>
+      <p:sp>
+        <p:nvSpPr>
+          <p:cNvPr id="12" name="Rectangle 11"/>
+          <p:cNvSpPr/>
+          <p:nvPr/>
+        </p:nvSpPr>
+        <p:spPr>
+          <a:xfrm>
+            <a:off x="4824194" y="2233535"/>
+            <a:ext cx="1485166" cy="1200329"/>
+          </a:xfrm>
+          <a:prstGeom prst="rect">
+            <a:avLst/>
+          </a:prstGeom>
+        </p:spPr>
+        <p:txBody>
+          <a:bodyPr wrap="square">
+            <a:spAutoFit/>
+          </a:bodyPr>
+          <a:lstStyle/>
+          <a:p>
+            <a:pPr algn="ctr"/>
+            <a:r>
+              <a:rPr lang="en-US" sz="7200" b="1" dirty="0" err="1">
+                <a:solidFill>
+                  <a:schemeClr val="bg1"/>
+                </a:solidFill>
+                <a:latin typeface="ubuntu" panose="020B0504030602030204" pitchFamily="34" charset="0"/>
+              </a:rPr>
+              <a:t>Sp</a:t>
+            </a:r>
+            <a:endParaRPr lang="en-US" sz="7200" dirty="0"/>
+          </a:p>
+        </p:txBody>
+      </p:sp>
+      <p:pic>
+        <p:nvPicPr>
+          <p:cNvPr id="15" name="Picture 14"/>
+          <p:cNvPicPr>
+            <a:picLocks noChangeAspect="1"/>
+          </p:cNvPicPr>
+          <p:nvPr/>
+        </p:nvPicPr>
+        <p:blipFill>
+          <a:blip r:embed="rId2">
+            <a:extLst>
+              <a:ext uri="{28A0092B-C50C-407E-A947-70E740481C1C}">
+                <a14:useLocalDpi xmlns:a14="http://schemas.microsoft.com/office/drawing/2010/main" val="0"/>
+              </a:ext>
+            </a:extLst>
+          </a:blip>
+          <a:stretch>
+            <a:fillRect/>
+          </a:stretch>
+        </p:blipFill>
+        <p:spPr>
+          <a:xfrm rot="343244">
+            <a:off x="5844888" y="2370010"/>
+            <a:ext cx="527150" cy="922513"/>
+          </a:xfrm>
+          <a:prstGeom prst="rect">
+            <a:avLst/>
+          </a:prstGeom>
+        </p:spPr>
+      </p:pic>
+      <p:sp>
+        <p:nvSpPr>
+          <p:cNvPr id="16" name="Subtitle 15"/>
+          <p:cNvSpPr>
+            <a:spLocks noGrp="1"/>
+          </p:cNvSpPr>
+          <p:nvPr>
+            <p:ph type="subTitle" idx="1"/>
+          </p:nvPr>
+        </p:nvSpPr>
+        <p:spPr/>
+        <p:txBody>
+          <a:bodyPr>
+            <a:normAutofit/>
+          </a:bodyPr>
+          <a:lstStyle/>
+          <a:p>
+            <a:r>
+              <a:rPr lang="en-US" sz="3600" dirty="0" smtClean="0">
+                <a:solidFill>
+                  <a:schemeClr val="bg1"/>
+                </a:solidFill>
+                <a:latin typeface="ubuntu" panose="020B0504030602030204" pitchFamily="34" charset="0"/>
+              </a:rPr>
+              <a:t>Receipt parsing done right.</a:t>
+            </a:r>
+            <a:endParaRPr lang="en-US" sz="3600" dirty="0">
+              <a:solidFill>
+                <a:schemeClr val="bg1"/>
+              </a:solidFill>
+              <a:latin typeface="ubuntu" panose="020B0504030602030204" pitchFamily="34" charset="0"/>
+            </a:endParaRPr>
+          </a:p>
+        </p:txBody>
+      </p:sp>
+    </p:spTree>
+    <p:extLst>
+      <p:ext uri="{BB962C8B-B14F-4D97-AF65-F5344CB8AC3E}">
+        <p14:creationId xmlns:p14="http://schemas.microsoft.com/office/powerpoint/2010/main" val="2241921226"/>
+      </p:ext>
+    </p:extLst>
+  </p:cSld>
+  <p:clrMapOvr>
+    <a:masterClrMapping/>
+  </p:clrMapOvr>
+  <p:timing>
+    <p:tnLst>
+      <p:par>
+        <p:cTn id="1" dur="indefinite" restart="never" nodeType="tmRoot">
+          <p:childTnLst>
+            <p:seq concurrent="1" nextAc="seek">
+              <p:cTn id="2" dur="indefinite" nodeType="mainSeq">
+                <p:childTnLst>
+                  <p:par>
+                    <p:cTn id="3" fill="hold">
+                      <p:stCondLst>
+                        <p:cond delay="indefinite"/>
+                        <p:cond evt="onBegin" delay="0">
+                          <p:tn val="2"/>
+                        </p:cond>
+                      </p:stCondLst>
+                      <p:childTnLst>
+                        <p:par>
+                          <p:cTn id="4" fill="hold">
+                            <p:stCondLst>
+                              <p:cond delay="0"/>
+                            </p:stCondLst>
+                            <p:childTnLst>
+                              <p:par>
+                                <p:cTn id="5" presetID="42" presetClass="entr" presetSubtype="0" fill="hold" grpId="0" nodeType="withEffect">
+                                  <p:stCondLst>
+                                    <p:cond delay="0"/>
+                                  </p:stCondLst>
+                                  <p:childTnLst>
+                                    <p:set>
+                                      <p:cBhvr>
+                                        <p:cTn id="6" dur="1" fill="hold">
+                                          <p:stCondLst>
+                                            <p:cond delay="0"/>
+                                          </p:stCondLst>
+                                        </p:cTn>
+                                        <p:tgtEl>
+                                          <p:spTgt spid="12"/>
+                                        </p:tgtEl>
+                                        <p:attrNameLst>
+                                          <p:attrName>style.visibility</p:attrName>
+                                        </p:attrNameLst>
+                                      </p:cBhvr>
+                                      <p:to>
+                                        <p:strVal val="visible"/>
+                                      </p:to>
+                                    </p:set>
+                                    <p:animEffect transition="in" filter="fade">
+                                      <p:cBhvr>
+                                        <p:cTn id="7" dur="1000"/>
+                                        <p:tgtEl>
+                                          <p:spTgt spid="12"/>
+                                        </p:tgtEl>
+                                      </p:cBhvr>
+                                    </p:animEffect>
+                                    <p:anim calcmode="lin" valueType="num">
+                                      <p:cBhvr>
+                                        <p:cTn id="8" dur="1000" fill="hold"/>
+                                        <p:tgtEl>
+                                          <p:spTgt spid="12"/>
+                                        </p:tgtEl>
+                                        <p:attrNameLst>
+                                          <p:attrName>ppt_x</p:attrName>
+                                        </p:attrNameLst>
+                                      </p:cBhvr>
+                                      <p:tavLst>
+                                        <p:tav tm="0">
+                                          <p:val>
+                                            <p:strVal val="#ppt_x"/>
+                                          </p:val>
+                                        </p:tav>
+                                        <p:tav tm="100000">
+                                          <p:val>
+                                            <p:strVal val="#ppt_x"/>
+                                          </p:val>
+                                        </p:tav>
+                                      </p:tavLst>
+                                    </p:anim>
+                                    <p:anim calcmode="lin" valueType="num">
+                                      <p:cBhvr>
+                                        <p:cTn id="9" dur="1000" fill="hold"/>
+                                        <p:tgtEl>
+                                          <p:spTgt spid="12"/>
+                                        </p:tgtEl>
+                                        <p:attrNameLst>
+                                          <p:attrName>ppt_y</p:attrName>
+                                        </p:attrNameLst>
+                                      </p:cBhvr>
+                                      <p:tavLst>
+                                        <p:tav tm="0">
+                                          <p:val>
+                                            <p:strVal val="#ppt_y+.1"/>
+                                          </p:val>
+                                        </p:tav>
+                                        <p:tav tm="100000">
+                                          <p:val>
+                                            <p:strVal val="#ppt_y"/>
+                                          </p:val>
+                                        </p:tav>
+                                      </p:tavLst>
+                                    </p:anim>
+                                  </p:childTnLst>
+                                </p:cTn>
+                              </p:par>
+                              <p:par>
+                                <p:cTn id="10" presetID="42" presetClass="entr" presetSubtype="0" fill="hold" grpId="0" nodeType="withEffect">
+                                  <p:stCondLst>
+                                    <p:cond delay="0"/>
+                                  </p:stCondLst>
+                                  <p:childTnLst>
+                                    <p:set>
+                                      <p:cBhvr>
+                                        <p:cTn id="11" dur="1" fill="hold">
+                                          <p:stCondLst>
+                                            <p:cond delay="0"/>
+                                          </p:stCondLst>
+                                        </p:cTn>
+                                        <p:tgtEl>
+                                          <p:spTgt spid="2"/>
+                                        </p:tgtEl>
+                                        <p:attrNameLst>
+                                          <p:attrName>style.visibility</p:attrName>
+                                        </p:attrNameLst>
+                                      </p:cBhvr>
+                                      <p:to>
+                                        <p:strVal val="visible"/>
+                                      </p:to>
+                                    </p:set>
+                                    <p:animEffect transition="in" filter="fade">
+                                      <p:cBhvr>
+                                        <p:cTn id="12" dur="1000"/>
+                                        <p:tgtEl>
+                                          <p:spTgt spid="2"/>
+                                        </p:tgtEl>
+                                      </p:cBhvr>
+                                    </p:animEffect>
+                                    <p:anim calcmode="lin" valueType="num">
+                                      <p:cBhvr>
+                                        <p:cTn id="13" dur="1000" fill="hold"/>
+                                        <p:tgtEl>
+                                          <p:spTgt spid="2"/>
+                                        </p:tgtEl>
+                                        <p:attrNameLst>
+                                          <p:attrName>ppt_x</p:attrName>
+                                        </p:attrNameLst>
+                                      </p:cBhvr>
+                                      <p:tavLst>
+                                        <p:tav tm="0">
+                                          <p:val>
+                                            <p:strVal val="#ppt_x"/>
+                                          </p:val>
+                                        </p:tav>
+                                        <p:tav tm="100000">
+                                          <p:val>
+                                            <p:strVal val="#ppt_x"/>
+                                          </p:val>
+                                        </p:tav>
+                                      </p:tavLst>
+                                    </p:anim>
+                                    <p:anim calcmode="lin" valueType="num">
+                                      <p:cBhvr>
+                                        <p:cTn id="14" dur="1000" fill="hold"/>
+                                        <p:tgtEl>
+                                          <p:spTgt spid="2"/>
+                                        </p:tgtEl>
+                                        <p:attrNameLst>
+                                          <p:attrName>ppt_y</p:attrName>
+                                        </p:attrNameLst>
+                                      </p:cBhvr>
+                                      <p:tavLst>
+                                        <p:tav tm="0">
+                                          <p:val>
+                                            <p:strVal val="#ppt_y+.1"/>
+                                          </p:val>
+                                        </p:tav>
+                                        <p:tav tm="100000">
+                                          <p:val>
+                                            <p:strVal val="#ppt_y"/>
+                                          </p:val>
+                                        </p:tav>
+                                      </p:tavLst>
+                                    </p:anim>
+                                  </p:childTnLst>
+                                </p:cTn>
+                              </p:par>
+                            </p:childTnLst>
+                          </p:cTn>
+                        </p:par>
+                        <p:par>
+                          <p:cTn id="15" fill="hold">
+                            <p:stCondLst>
+                              <p:cond delay="1000"/>
+                            </p:stCondLst>
+                            <p:childTnLst>
+                              <p:par>
+                                <p:cTn id="16" presetID="35" presetClass="path" presetSubtype="0" accel="50000" decel="50000" fill="hold" grpId="1" nodeType="afterEffect">
+                                  <p:stCondLst>
+                                    <p:cond delay="0"/>
+                                  </p:stCondLst>
+                                  <p:childTnLst>
+                                    <p:animMotion origin="layout" path="M -4.16667E-7 -4.44444E-6 L -0.02838 -0.00069 " pathEditMode="relative" rAng="0" ptsTypes="AA">
+                                      <p:cBhvr>
+                                        <p:cTn id="17" dur="500" fill="hold"/>
+                                        <p:tgtEl>
+                                          <p:spTgt spid="12"/>
+                                        </p:tgtEl>
+                                        <p:attrNameLst>
+                                          <p:attrName>ppt_x</p:attrName>
+                                          <p:attrName>ppt_y</p:attrName>
+                                        </p:attrNameLst>
+                                      </p:cBhvr>
+                                      <p:rCtr x="-1419" y="-46"/>
+                                    </p:animMotion>
+                                  </p:childTnLst>
+                                </p:cTn>
+                              </p:par>
+                              <p:par>
+                                <p:cTn id="18" presetID="63" presetClass="path" presetSubtype="0" accel="50000" decel="50000" fill="hold" grpId="1" nodeType="withEffect">
+                                  <p:stCondLst>
+                                    <p:cond delay="0"/>
+                                  </p:stCondLst>
+                                  <p:childTnLst>
+                                    <p:animMotion origin="layout" path="M 4.375E-6 -1.48148E-6 L 0.02226 0.00116 " pathEditMode="relative" rAng="0" ptsTypes="AA">
+                                      <p:cBhvr>
+                                        <p:cTn id="19" dur="500" fill="hold"/>
+                                        <p:tgtEl>
+                                          <p:spTgt spid="2"/>
+                                        </p:tgtEl>
+                                        <p:attrNameLst>
+                                          <p:attrName>ppt_x</p:attrName>
+                                          <p:attrName>ppt_y</p:attrName>
+                                        </p:attrNameLst>
+                                      </p:cBhvr>
+                                      <p:rCtr x="1107" y="46"/>
+                                    </p:animMotion>
+                                  </p:childTnLst>
+                                </p:cTn>
+                              </p:par>
+                              <p:par>
+                                <p:cTn id="20" presetID="22" presetClass="entr" presetSubtype="1" fill="hold" nodeType="withEffect">
+                                  <p:stCondLst>
+                                    <p:cond delay="0"/>
+                                  </p:stCondLst>
+                                  <p:childTnLst>
+                                    <p:set>
+                                      <p:cBhvr>
+                                        <p:cTn id="21" dur="1" fill="hold">
+                                          <p:stCondLst>
+                                            <p:cond delay="0"/>
+                                          </p:stCondLst>
+                                        </p:cTn>
+                                        <p:tgtEl>
+                                          <p:spTgt spid="15"/>
+                                        </p:tgtEl>
+                                        <p:attrNameLst>
+                                          <p:attrName>style.visibility</p:attrName>
+                                        </p:attrNameLst>
+                                      </p:cBhvr>
+                                      <p:to>
+                                        <p:strVal val="visible"/>
+                                      </p:to>
+                                    </p:set>
+                                    <p:animEffect transition="in" filter="wipe(up)">
+                                      <p:cBhvr>
+                                        <p:cTn id="22" dur="500"/>
+                                        <p:tgtEl>
+                                          <p:spTgt spid="15"/>
+                                        </p:tgtEl>
+                                      </p:cBhvr>
+                                    </p:animEffect>
+                                  </p:childTnLst>
+                                </p:cTn>
+                              </p:par>
+                              <p:par>
+                                <p:cTn id="23" presetID="10" presetClass="entr" presetSubtype="0" fill="hold" grpId="0" nodeType="withEffect">
+                                  <p:stCondLst>
+                                    <p:cond delay="0"/>
+                                  </p:stCondLst>
+                                  <p:childTnLst>
+                                    <p:set>
+                                      <p:cBhvr>
+                                        <p:cTn id="24" dur="1" fill="hold">
+                                          <p:stCondLst>
+                                            <p:cond delay="0"/>
+                                          </p:stCondLst>
+                                        </p:cTn>
+                                        <p:tgtEl>
+                                          <p:spTgt spid="16">
+                                            <p:txEl>
+                                              <p:pRg st="0" end="0"/>
+                                            </p:txEl>
+                                          </p:spTgt>
+                                        </p:tgtEl>
+                                        <p:attrNameLst>
+                                          <p:attrName>style.visibility</p:attrName>
+                                        </p:attrNameLst>
+                                      </p:cBhvr>
+                                      <p:to>
+                                        <p:strVal val="visible"/>
+                                      </p:to>
+                                    </p:set>
+                                    <p:animEffect transition="in" filter="fade">
+                                      <p:cBhvr>
+                                        <p:cTn id="25" dur="500"/>
+                                        <p:tgtEl>
+                                          <p:spTgt spid="16">
+                                            <p:txEl>
+                                              <p:pRg st="0" end="0"/>
+                                            </p:txEl>
+                                          </p:spTgt>
+                                        </p:tgtEl>
+                                      </p:cBhvr>
+                                    </p:animEffect>
+                                  </p:childTnLst>
+                                </p:cTn>
+                              </p:par>
+                            </p:childTnLst>
+                          </p:cTn>
+                        </p:par>
+                      </p:childTnLst>
+                    </p:cTn>
+                  </p:par>
+                  <p:par>
+                    <p:cTn id="26" fill="hold">
+                      <p:stCondLst>
+                        <p:cond delay="indefinite"/>
+                      </p:stCondLst>
+                      <p:childTnLst>
+                        <p:par>
+                          <p:cTn id="27" fill="hold">
+                            <p:stCondLst>
+                              <p:cond delay="0"/>
+                            </p:stCondLst>
+                            <p:childTnLst>
+                              <p:par>
+                                <p:cTn id="28" presetID="2" presetClass="exit" presetSubtype="8" fill="hold" grpId="2" nodeType="clickEffect">
+                                  <p:stCondLst>
+                                    <p:cond delay="0"/>
+                                  </p:stCondLst>
+                                  <p:childTnLst>
+                                    <p:anim calcmode="lin" valueType="num">
+                                      <p:cBhvr additive="base">
+                                        <p:cTn id="29" dur="500"/>
+                                        <p:tgtEl>
+                                          <p:spTgt spid="12"/>
+                                        </p:tgtEl>
+                                        <p:attrNameLst>
+                                          <p:attrName>ppt_x</p:attrName>
+                                        </p:attrNameLst>
+                                      </p:cBhvr>
+                                      <p:tavLst>
+                                        <p:tav tm="0">
+                                          <p:val>
+                                            <p:strVal val="ppt_x"/>
+                                          </p:val>
+                                        </p:tav>
+                                        <p:tav tm="100000">
+                                          <p:val>
+                                            <p:strVal val="0-ppt_w/2"/>
+                                          </p:val>
+                                        </p:tav>
+                                      </p:tavLst>
+                                    </p:anim>
+                                    <p:anim calcmode="lin" valueType="num">
+                                      <p:cBhvr additive="base">
+                                        <p:cTn id="30" dur="500"/>
+                                        <p:tgtEl>
+                                          <p:spTgt spid="12"/>
+                                        </p:tgtEl>
+                                        <p:attrNameLst>
+                                          <p:attrName>ppt_y</p:attrName>
+                                        </p:attrNameLst>
+                                      </p:cBhvr>
+                                      <p:tavLst>
+                                        <p:tav tm="0">
+                                          <p:val>
+                                            <p:strVal val="ppt_y"/>
+                                          </p:val>
+                                        </p:tav>
+                                        <p:tav tm="100000">
+                                          <p:val>
+                                            <p:strVal val="ppt_y"/>
+                                          </p:val>
+                                        </p:tav>
+                                      </p:tavLst>
+                                    </p:anim>
+                                    <p:set>
+                                      <p:cBhvr>
+                                        <p:cTn id="31" dur="1" fill="hold">
+                                          <p:stCondLst>
+                                            <p:cond delay="499"/>
+                                          </p:stCondLst>
+                                        </p:cTn>
+                                        <p:tgtEl>
+                                          <p:spTgt spid="12"/>
+                                        </p:tgtEl>
+                                        <p:attrNameLst>
+                                          <p:attrName>style.visibility</p:attrName>
+                                        </p:attrNameLst>
+                                      </p:cBhvr>
+                                      <p:to>
+                                        <p:strVal val="hidden"/>
+                                      </p:to>
+                                    </p:set>
+                                  </p:childTnLst>
+                                </p:cTn>
+                              </p:par>
+                              <p:par>
+                                <p:cTn id="32" presetID="2" presetClass="exit" presetSubtype="8" fill="hold" grpId="2" nodeType="withEffect">
+                                  <p:stCondLst>
+                                    <p:cond delay="0"/>
+                                  </p:stCondLst>
+                                  <p:childTnLst>
+                                    <p:anim calcmode="lin" valueType="num">
+                                      <p:cBhvr additive="base">
+                                        <p:cTn id="33" dur="500"/>
+                                        <p:tgtEl>
+                                          <p:spTgt spid="2"/>
+                                        </p:tgtEl>
+                                        <p:attrNameLst>
+                                          <p:attrName>ppt_x</p:attrName>
+                                        </p:attrNameLst>
+                                      </p:cBhvr>
+                                      <p:tavLst>
+                                        <p:tav tm="0">
+                                          <p:val>
+                                            <p:strVal val="ppt_x"/>
+                                          </p:val>
+                                        </p:tav>
+                                        <p:tav tm="100000">
+                                          <p:val>
+                                            <p:strVal val="0-ppt_w/2"/>
+                                          </p:val>
+                                        </p:tav>
+                                      </p:tavLst>
+                                    </p:anim>
+                                    <p:anim calcmode="lin" valueType="num">
+                                      <p:cBhvr additive="base">
+                                        <p:cTn id="34" dur="500"/>
+                                        <p:tgtEl>
+                                          <p:spTgt spid="2"/>
+                                        </p:tgtEl>
+                                        <p:attrNameLst>
+                                          <p:attrName>ppt_y</p:attrName>
+                                        </p:attrNameLst>
+                                      </p:cBhvr>
+                                      <p:tavLst>
+                                        <p:tav tm="0">
+                                          <p:val>
+                                            <p:strVal val="ppt_y"/>
+                                          </p:val>
+                                        </p:tav>
+                                        <p:tav tm="100000">
+                                          <p:val>
+                                            <p:strVal val="ppt_y"/>
+                                          </p:val>
+                                        </p:tav>
+                                      </p:tavLst>
+                                    </p:anim>
+                                    <p:set>
+                                      <p:cBhvr>
+                                        <p:cTn id="35" dur="1" fill="hold">
+                                          <p:stCondLst>
+                                            <p:cond delay="499"/>
+                                          </p:stCondLst>
+                                        </p:cTn>
+                                        <p:tgtEl>
+                                          <p:spTgt spid="2"/>
+                                        </p:tgtEl>
+                                        <p:attrNameLst>
+                                          <p:attrName>style.visibility</p:attrName>
+                                        </p:attrNameLst>
+                                      </p:cBhvr>
+                                      <p:to>
+                                        <p:strVal val="hidden"/>
+                                      </p:to>
+                                    </p:set>
+                                  </p:childTnLst>
+                                </p:cTn>
+                              </p:par>
+                              <p:par>
+                                <p:cTn id="36" presetID="2" presetClass="exit" presetSubtype="8" fill="hold" nodeType="withEffect">
+                                  <p:stCondLst>
+                                    <p:cond delay="0"/>
+                                  </p:stCondLst>
+                                  <p:childTnLst>
+                                    <p:anim calcmode="lin" valueType="num">
+                                      <p:cBhvr additive="base">
+                                        <p:cTn id="37" dur="500"/>
+                                        <p:tgtEl>
+                                          <p:spTgt spid="15"/>
+                                        </p:tgtEl>
+                                        <p:attrNameLst>
+                                          <p:attrName>ppt_x</p:attrName>
+                                        </p:attrNameLst>
+                                      </p:cBhvr>
+                                      <p:tavLst>
+                                        <p:tav tm="0">
+                                          <p:val>
+                                            <p:strVal val="ppt_x"/>
+                                          </p:val>
+                                        </p:tav>
+                                        <p:tav tm="100000">
+                                          <p:val>
+                                            <p:strVal val="0-ppt_w/2"/>
+                                          </p:val>
+                                        </p:tav>
+                                      </p:tavLst>
+                                    </p:anim>
+                                    <p:anim calcmode="lin" valueType="num">
+                                      <p:cBhvr additive="base">
+                                        <p:cTn id="38" dur="500"/>
+                                        <p:tgtEl>
+                                          <p:spTgt spid="15"/>
+                                        </p:tgtEl>
+                                        <p:attrNameLst>
+                                          <p:attrName>ppt_y</p:attrName>
+                                        </p:attrNameLst>
+                                      </p:cBhvr>
+                                      <p:tavLst>
+                                        <p:tav tm="0">
+                                          <p:val>
+                                            <p:strVal val="ppt_y"/>
+                                          </p:val>
+                                        </p:tav>
+                                        <p:tav tm="100000">
+                                          <p:val>
+                                            <p:strVal val="ppt_y"/>
+                                          </p:val>
+                                        </p:tav>
+                                      </p:tavLst>
+                                    </p:anim>
+                                    <p:set>
+                                      <p:cBhvr>
+                                        <p:cTn id="39" dur="1" fill="hold">
+                                          <p:stCondLst>
+                                            <p:cond delay="499"/>
+                                          </p:stCondLst>
+                                        </p:cTn>
+                                        <p:tgtEl>
+                                          <p:spTgt spid="15"/>
+                                        </p:tgtEl>
+                                        <p:attrNameLst>
+                                          <p:attrName>style.visibility</p:attrName>
+                                        </p:attrNameLst>
+                                      </p:cBhvr>
+                                      <p:to>
+                                        <p:strVal val="hidden"/>
+                                      </p:to>
+                                    </p:set>
+                                  </p:childTnLst>
+                                </p:cTn>
+                              </p:par>
+                              <p:par>
+                                <p:cTn id="40" presetID="2" presetClass="exit" presetSubtype="8" fill="hold" grpId="1" nodeType="withEffect">
+                                  <p:stCondLst>
+                                    <p:cond delay="0"/>
+                                  </p:stCondLst>
+                                  <p:childTnLst>
+                                    <p:anim calcmode="lin" valueType="num">
+                                      <p:cBhvr additive="base">
+                                        <p:cTn id="41" dur="500"/>
+                                        <p:tgtEl>
+                                          <p:spTgt spid="16">
+                                            <p:txEl>
+                                              <p:pRg st="0" end="0"/>
+                                            </p:txEl>
+                                          </p:spTgt>
+                                        </p:tgtEl>
+                                        <p:attrNameLst>
+                                          <p:attrName>ppt_x</p:attrName>
+                                        </p:attrNameLst>
+                                      </p:cBhvr>
+                                      <p:tavLst>
+                                        <p:tav tm="0">
+                                          <p:val>
+                                            <p:strVal val="ppt_x"/>
+                                          </p:val>
+                                        </p:tav>
+                                        <p:tav tm="100000">
+                                          <p:val>
+                                            <p:strVal val="0-ppt_w/2"/>
+                                          </p:val>
+                                        </p:tav>
+                                      </p:tavLst>
+                                    </p:anim>
+                                    <p:anim calcmode="lin" valueType="num">
+                                      <p:cBhvr additive="base">
+                                        <p:cTn id="42" dur="500"/>
+                                        <p:tgtEl>
+                                          <p:spTgt spid="16">
+                                            <p:txEl>
+                                              <p:pRg st="0" end="0"/>
+                                            </p:txEl>
+                                          </p:spTgt>
+                                        </p:tgtEl>
+                                        <p:attrNameLst>
+                                          <p:attrName>ppt_y</p:attrName>
+                                        </p:attrNameLst>
+                                      </p:cBhvr>
+                                      <p:tavLst>
+                                        <p:tav tm="0">
+                                          <p:val>
+                                            <p:strVal val="ppt_y"/>
+                                          </p:val>
+                                        </p:tav>
+                                        <p:tav tm="100000">
+                                          <p:val>
+                                            <p:strVal val="ppt_y"/>
+                                          </p:val>
+                                        </p:tav>
+                                      </p:tavLst>
+                                    </p:anim>
+                                    <p:set>
+                                      <p:cBhvr>
+                                        <p:cTn id="43" dur="1" fill="hold">
+                                          <p:stCondLst>
+                                            <p:cond delay="499"/>
+                                          </p:stCondLst>
+                                        </p:cTn>
+                                        <p:tgtEl>
+                                          <p:spTgt spid="16">
+                                            <p:txEl>
+                                              <p:pRg st="0" end="0"/>
+                                            </p:txEl>
+                                          </p:spTgt>
+                                        </p:tgtEl>
+                                        <p:attrNameLst>
+                                          <p:attrName>style.visibility</p:attrName>
+                                        </p:attrNameLst>
+                                      </p:cBhvr>
+                                      <p:to>
+                                        <p:strVal val="hidden"/>
+                                      </p:to>
+                                    </p:set>
+                                  </p:childTnLst>
+                                </p:cTn>
+                              </p:par>
+                            </p:childTnLst>
+                          </p:cTn>
+                        </p:par>
+                      </p:childTnLst>
+                    </p:cTn>
+                  </p:par>
+                </p:childTnLst>
+              </p:cTn>
+              <p:prevCondLst>
+                <p:cond evt="onPrev" delay="0">
+                  <p:tgtEl>
+                    <p:sldTgt/>
+                  </p:tgtEl>
+                </p:cond>
+              </p:prevCondLst>
+              <p:nextCondLst>
+                <p:cond evt="onNext" delay="0">
+                  <p:tgtEl>
+                    <p:sldTgt/>
+                  </p:tgtEl>
+                </p:cond>
+              </p:nextCondLst>
+            </p:seq>
+          </p:childTnLst>
+        </p:cTn>
+      </p:par>
+    </p:tnLst>
+    <p:bldLst>
+      <p:bldP spid="2" grpId="0"/>
+      <p:bldP spid="2" grpId="1"/>
+      <p:bldP spid="2" grpId="2"/>
+      <p:bldP spid="12" grpId="0"/>
+      <p:bldP spid="12" grpId="1"/>
+      <p:bldP spid="12" grpId="2"/>
+      <p:bldP spid="16" grpId="0" build="p"/>
+      <p:bldP spid="16" grpId="1" build="p"/>
     </p:bldLst>
   </p:timing>
 </p:sld>
@@ -7163,35 +7223,6 @@
           <a:chExt cx="0" cy="0"/>
         </a:xfrm>
       </p:grpSpPr>
-      <p:pic>
-        <p:nvPicPr>
-          <p:cNvPr id="4" name="Content Placeholder 3"/>
-          <p:cNvPicPr>
-            <a:picLocks noGrp="1" noChangeAspect="1"/>
-          </p:cNvPicPr>
-          <p:nvPr>
-            <p:ph idx="1"/>
-          </p:nvPr>
-        </p:nvPicPr>
-        <p:blipFill>
-          <a:blip r:embed="rId2">
-            <a:extLst>
-              <a:ext uri="{28A0092B-C50C-407E-A947-70E740481C1C}">
-                <a14:useLocalDpi xmlns:a14="http://schemas.microsoft.com/office/drawing/2010/main" val="0"/>
-              </a:ext>
-            </a:extLst>
-          </a:blip>
-          <a:stretch>
-            <a:fillRect/>
-          </a:stretch>
-        </p:blipFill>
-        <p:spPr>
-          <a:xfrm>
-            <a:off x="10629900" y="248879"/>
-            <a:ext cx="1363027" cy="527624"/>
-          </a:xfrm>
-        </p:spPr>
-      </p:pic>
       <p:sp>
         <p:nvSpPr>
           <p:cNvPr id="5" name="TextBox 4"/>
@@ -7236,7 +7267,7 @@
           <p:nvPr/>
         </p:nvPicPr>
         <p:blipFill>
-          <a:blip r:embed="rId3">
+          <a:blip r:embed="rId2">
             <a:extLst>
               <a:ext uri="{28A0092B-C50C-407E-A947-70E740481C1C}">
                 <a14:useLocalDpi xmlns:a14="http://schemas.microsoft.com/office/drawing/2010/main" val="0"/>
@@ -7314,7 +7345,7 @@
           <p:nvPr/>
         </p:nvPicPr>
         <p:blipFill>
-          <a:blip r:embed="rId2">
+          <a:blip r:embed="rId3">
             <a:extLst>
               <a:ext uri="{28A0092B-C50C-407E-A947-70E740481C1C}">
                 <a14:useLocalDpi xmlns:a14="http://schemas.microsoft.com/office/drawing/2010/main" val="0"/>
